--- a/Presentation/PresentationLTH.pptx
+++ b/Presentation/PresentationLTH.pptx
@@ -233,14 +233,7 @@
           <c:invertIfNegative val="0"/>
           <c:cat>
             <c:strRef>
-              <c:extLst>
-                <c:ext xmlns:c15="http://schemas.microsoft.com/office/drawing/2012/chart" uri="{02D57815-91ED-43cb-92C2-25804820EDAC}">
-                  <c15:fullRef>
-                    <c15:sqref>'Times of SP'!$A$2:$A$33</c15:sqref>
-                  </c15:fullRef>
-                </c:ext>
-              </c:extLst>
-              <c:f>'Times of SP'!$A$3:$A$33</c:f>
+              <c:f>'Times of SP'!$A$2:$A$33</c:f>
               <c:strCache>
                 <c:ptCount val="30"/>
                 <c:pt idx="0">
@@ -334,18 +327,12 @@
                   <c:v>Report 3_6</c:v>
                 </c:pt>
               </c:strCache>
+              <c:extLst/>
             </c:strRef>
           </c:cat>
           <c:val>
             <c:numRef>
-              <c:extLst>
-                <c:ext xmlns:c15="http://schemas.microsoft.com/office/drawing/2012/chart" uri="{02D57815-91ED-43cb-92C2-25804820EDAC}">
-                  <c15:fullRef>
-                    <c15:sqref>'Times of SP'!$D$2:$D$33</c15:sqref>
-                  </c15:fullRef>
-                </c:ext>
-              </c:extLst>
-              <c:f>'Times of SP'!$D$3:$D$33</c:f>
+              <c:f>'Times of SP'!$D$2:$D$33</c:f>
               <c:numCache>
                 <c:formatCode>General</c:formatCode>
                 <c:ptCount val="31"/>
@@ -440,6 +427,7 @@
                   <c:v>34</c:v>
                 </c:pt>
               </c:numCache>
+              <c:extLst/>
             </c:numRef>
           </c:val>
         </c:ser>
@@ -453,11 +441,11 @@
         </c:dLbls>
         <c:gapWidth val="219"/>
         <c:overlap val="-27"/>
-        <c:axId val="-182515552"/>
-        <c:axId val="-182515008"/>
+        <c:axId val="1859827712"/>
+        <c:axId val="1859818464"/>
       </c:barChart>
       <c:catAx>
-        <c:axId val="-182515552"/>
+        <c:axId val="1859827712"/>
         <c:scaling>
           <c:orientation val="minMax"/>
         </c:scaling>
@@ -500,7 +488,7 @@
             <a:endParaRPr lang="sv-SE"/>
           </a:p>
         </c:txPr>
-        <c:crossAx val="-182515008"/>
+        <c:crossAx val="1859818464"/>
         <c:crosses val="autoZero"/>
         <c:auto val="1"/>
         <c:lblAlgn val="ctr"/>
@@ -508,7 +496,7 @@
         <c:noMultiLvlLbl val="0"/>
       </c:catAx>
       <c:valAx>
-        <c:axId val="-182515008"/>
+        <c:axId val="1859818464"/>
         <c:scaling>
           <c:orientation val="minMax"/>
         </c:scaling>
@@ -559,7 +547,7 @@
             <a:endParaRPr lang="sv-SE"/>
           </a:p>
         </c:txPr>
-        <c:crossAx val="-182515552"/>
+        <c:crossAx val="1859827712"/>
         <c:crosses val="autoZero"/>
         <c:crossBetween val="between"/>
       </c:valAx>
@@ -1088,11 +1076,11 @@
         </c:dLbls>
         <c:gapWidth val="219"/>
         <c:overlap val="-27"/>
-        <c:axId val="-1883476224"/>
-        <c:axId val="-1883465888"/>
+        <c:axId val="1860036288"/>
+        <c:axId val="2123637984"/>
       </c:barChart>
       <c:catAx>
-        <c:axId val="-1883476224"/>
+        <c:axId val="1860036288"/>
         <c:scaling>
           <c:orientation val="minMax"/>
         </c:scaling>
@@ -1135,7 +1123,7 @@
             <a:endParaRPr lang="sv-SE"/>
           </a:p>
         </c:txPr>
-        <c:crossAx val="-1883465888"/>
+        <c:crossAx val="2123637984"/>
         <c:crosses val="autoZero"/>
         <c:auto val="1"/>
         <c:lblAlgn val="ctr"/>
@@ -1143,7 +1131,7 @@
         <c:noMultiLvlLbl val="0"/>
       </c:catAx>
       <c:valAx>
-        <c:axId val="-1883465888"/>
+        <c:axId val="2123637984"/>
         <c:scaling>
           <c:orientation val="minMax"/>
         </c:scaling>
@@ -1189,7 +1177,6 @@
               </a:p>
             </c:rich>
           </c:tx>
-          <c:layout/>
           <c:overlay val="0"/>
           <c:spPr>
             <a:noFill/>
@@ -1250,7 +1237,7 @@
             <a:endParaRPr lang="sv-SE"/>
           </a:p>
         </c:txPr>
-        <c:crossAx val="-1883476224"/>
+        <c:crossAx val="1860036288"/>
         <c:crosses val="autoZero"/>
         <c:crossBetween val="between"/>
       </c:valAx>
@@ -1266,7 +1253,6 @@
     </c:plotArea>
     <c:legend>
       <c:legendPos val="b"/>
-      <c:layout/>
       <c:overlay val="0"/>
       <c:spPr>
         <a:noFill/>
@@ -1363,7 +1349,6 @@
           </a:p>
         </c:rich>
       </c:tx>
-      <c:layout/>
       <c:overlay val="0"/>
       <c:spPr>
         <a:noFill/>
@@ -1464,7 +1449,6 @@
             <c:showLeaderLines val="0"/>
             <c:extLst>
               <c:ext xmlns:c15="http://schemas.microsoft.com/office/drawing/2012/chart" uri="{CE6537A1-D6FC-4f65-9D91-7224C49458BB}">
-                <c15:layout/>
                 <c15:showLeaderLines val="1"/>
                 <c15:leaderLines>
                   <c:spPr>
@@ -1606,7 +1590,6 @@
             <c:showLeaderLines val="0"/>
             <c:extLst>
               <c:ext xmlns:c15="http://schemas.microsoft.com/office/drawing/2012/chart" uri="{CE6537A1-D6FC-4f65-9D91-7224C49458BB}">
-                <c15:layout/>
                 <c15:showLeaderLines val="1"/>
                 <c15:leaderLines>
                   <c:spPr>
@@ -1748,7 +1731,6 @@
             <c:showLeaderLines val="0"/>
             <c:extLst>
               <c:ext xmlns:c15="http://schemas.microsoft.com/office/drawing/2012/chart" uri="{CE6537A1-D6FC-4f65-9D91-7224C49458BB}">
-                <c15:layout/>
                 <c15:showLeaderLines val="1"/>
                 <c15:leaderLines>
                   <c:spPr>
@@ -1837,11 +1819,11 @@
         </c:dLbls>
         <c:gapWidth val="444"/>
         <c:overlap val="-90"/>
-        <c:axId val="-179988512"/>
-        <c:axId val="-179989056"/>
+        <c:axId val="2123633632"/>
+        <c:axId val="2123632544"/>
       </c:barChart>
       <c:catAx>
-        <c:axId val="-179988512"/>
+        <c:axId val="2123633632"/>
         <c:scaling>
           <c:orientation val="minMax"/>
         </c:scaling>
@@ -1898,7 +1880,7 @@
             <a:endParaRPr lang="sv-SE"/>
           </a:p>
         </c:txPr>
-        <c:crossAx val="-179989056"/>
+        <c:crossAx val="2123632544"/>
         <c:crosses val="autoZero"/>
         <c:auto val="1"/>
         <c:lblAlgn val="ctr"/>
@@ -1906,7 +1888,7 @@
         <c:noMultiLvlLbl val="0"/>
       </c:catAx>
       <c:valAx>
-        <c:axId val="-179989056"/>
+        <c:axId val="2123632544"/>
         <c:scaling>
           <c:orientation val="minMax"/>
         </c:scaling>
@@ -1916,7 +1898,7 @@
         <c:majorTickMark val="none"/>
         <c:minorTickMark val="none"/>
         <c:tickLblPos val="nextTo"/>
-        <c:crossAx val="-179988512"/>
+        <c:crossAx val="2123633632"/>
         <c:crosses val="autoZero"/>
         <c:crossBetween val="between"/>
       </c:valAx>
@@ -1930,7 +1912,6 @@
     </c:plotArea>
     <c:legend>
       <c:legendPos val="t"/>
-      <c:layout/>
       <c:overlay val="0"/>
       <c:spPr>
         <a:noFill/>
@@ -2027,7 +2008,6 @@
           </a:p>
         </c:rich>
       </c:tx>
-      <c:layout/>
       <c:overlay val="0"/>
       <c:spPr>
         <a:noFill/>
@@ -2242,11 +2222,11 @@
         </c:dLbls>
         <c:gapWidth val="219"/>
         <c:overlap val="-27"/>
-        <c:axId val="-182531328"/>
-        <c:axId val="-182517728"/>
+        <c:axId val="2123640704"/>
+        <c:axId val="2123627648"/>
       </c:barChart>
       <c:catAx>
-        <c:axId val="-182531328"/>
+        <c:axId val="2123640704"/>
         <c:scaling>
           <c:orientation val="minMax"/>
         </c:scaling>
@@ -2289,7 +2269,7 @@
             <a:endParaRPr lang="sv-SE"/>
           </a:p>
         </c:txPr>
-        <c:crossAx val="-182517728"/>
+        <c:crossAx val="2123627648"/>
         <c:crosses val="autoZero"/>
         <c:auto val="1"/>
         <c:lblAlgn val="ctr"/>
@@ -2297,7 +2277,7 @@
         <c:noMultiLvlLbl val="0"/>
       </c:catAx>
       <c:valAx>
-        <c:axId val="-182517728"/>
+        <c:axId val="2123627648"/>
         <c:scaling>
           <c:orientation val="minMax"/>
         </c:scaling>
@@ -2348,7 +2328,7 @@
             <a:endParaRPr lang="sv-SE"/>
           </a:p>
         </c:txPr>
-        <c:crossAx val="-182531328"/>
+        <c:crossAx val="2123640704"/>
         <c:crosses val="autoZero"/>
         <c:crossBetween val="between"/>
       </c:valAx>
@@ -2362,7 +2342,6 @@
     </c:plotArea>
     <c:legend>
       <c:legendPos val="b"/>
-      <c:layout/>
       <c:overlay val="0"/>
       <c:spPr>
         <a:noFill/>
@@ -5494,7 +5473,6 @@
             <a:rPr lang="sv-SE" dirty="0" smtClean="0"/>
             <a:t>Sammanfattning &amp; Diskussion</a:t>
           </a:r>
-          <a:endParaRPr lang="sv-SE" dirty="0" smtClean="0"/>
         </a:p>
       </dgm:t>
     </dgm:pt>
@@ -5716,8 +5694,8 @@
       </dsp:nvSpPr>
       <dsp:spPr>
         <a:xfrm>
-          <a:off x="0" y="2857"/>
-          <a:ext cx="7510992" cy="791505"/>
+          <a:off x="0" y="51119"/>
+          <a:ext cx="7510992" cy="772200"/>
         </a:xfrm>
         <a:prstGeom prst="roundRect">
           <a:avLst/>
@@ -5782,8 +5760,8 @@
         </a:p>
       </dsp:txBody>
       <dsp:txXfrm>
-        <a:off x="38638" y="41495"/>
-        <a:ext cx="7433716" cy="714229"/>
+        <a:off x="37696" y="88815"/>
+        <a:ext cx="7435600" cy="696808"/>
       </dsp:txXfrm>
     </dsp:sp>
     <dsp:sp modelId="{633254C2-92B3-9A40-BE01-4A07BA6FD729}">
@@ -5793,8 +5771,8 @@
       </dsp:nvSpPr>
       <dsp:spPr>
         <a:xfrm>
-          <a:off x="0" y="889402"/>
-          <a:ext cx="7510992" cy="791505"/>
+          <a:off x="0" y="918360"/>
+          <a:ext cx="7510992" cy="772200"/>
         </a:xfrm>
         <a:prstGeom prst="roundRect">
           <a:avLst/>
@@ -5859,8 +5837,8 @@
         </a:p>
       </dsp:txBody>
       <dsp:txXfrm>
-        <a:off x="38638" y="928040"/>
-        <a:ext cx="7433716" cy="714229"/>
+        <a:off x="37696" y="956056"/>
+        <a:ext cx="7435600" cy="696808"/>
       </dsp:txXfrm>
     </dsp:sp>
     <dsp:sp modelId="{0C703321-1228-8B4C-9D1F-354E3CECCA1D}">
@@ -5870,8 +5848,8 @@
       </dsp:nvSpPr>
       <dsp:spPr>
         <a:xfrm>
-          <a:off x="0" y="1775947"/>
-          <a:ext cx="7510992" cy="791505"/>
+          <a:off x="0" y="1785600"/>
+          <a:ext cx="7510992" cy="772200"/>
         </a:xfrm>
         <a:prstGeom prst="roundRect">
           <a:avLst/>
@@ -5935,8 +5913,8 @@
         </a:p>
       </dsp:txBody>
       <dsp:txXfrm>
-        <a:off x="38638" y="1814585"/>
-        <a:ext cx="7433716" cy="714229"/>
+        <a:off x="37696" y="1823296"/>
+        <a:ext cx="7435600" cy="696808"/>
       </dsp:txXfrm>
     </dsp:sp>
     <dsp:sp modelId="{642E1836-6173-6047-A06B-782D4D50664F}">
@@ -5946,8 +5924,8 @@
       </dsp:nvSpPr>
       <dsp:spPr>
         <a:xfrm>
-          <a:off x="0" y="2662492"/>
-          <a:ext cx="7510992" cy="791505"/>
+          <a:off x="0" y="2652840"/>
+          <a:ext cx="7510992" cy="772200"/>
         </a:xfrm>
         <a:prstGeom prst="roundRect">
           <a:avLst/>
@@ -6011,8 +5989,8 @@
         </a:p>
       </dsp:txBody>
       <dsp:txXfrm>
-        <a:off x="38638" y="2701130"/>
-        <a:ext cx="7433716" cy="714229"/>
+        <a:off x="37696" y="2690536"/>
+        <a:ext cx="7435600" cy="696808"/>
       </dsp:txXfrm>
     </dsp:sp>
     <dsp:sp modelId="{EBC1C9F8-4796-5D44-B4AB-EF8C241C9E1C}">
@@ -6022,8 +6000,8 @@
       </dsp:nvSpPr>
       <dsp:spPr>
         <a:xfrm>
-          <a:off x="0" y="3549037"/>
-          <a:ext cx="7510992" cy="791505"/>
+          <a:off x="0" y="3520080"/>
+          <a:ext cx="7510992" cy="772200"/>
         </a:xfrm>
         <a:prstGeom prst="roundRect">
           <a:avLst/>
@@ -6084,12 +6062,11 @@
             <a:rPr lang="sv-SE" sz="3300" kern="1200" dirty="0" smtClean="0"/>
             <a:t>Sammanfattning &amp; Diskussion</a:t>
           </a:r>
-          <a:endParaRPr lang="sv-SE" sz="3300" kern="1200" dirty="0" smtClean="0"/>
         </a:p>
       </dsp:txBody>
       <dsp:txXfrm>
-        <a:off x="38638" y="3587675"/>
-        <a:ext cx="7433716" cy="714229"/>
+        <a:off x="37696" y="3557776"/>
+        <a:ext cx="7435600" cy="696808"/>
       </dsp:txXfrm>
     </dsp:sp>
   </dsp:spTree>
@@ -12677,7 +12654,7 @@
         </p:spPr>
         <p:txBody>
           <a:bodyPr>
-            <a:normAutofit fontScale="92500"/>
+            <a:normAutofit fontScale="85000" lnSpcReduction="10000"/>
           </a:bodyPr>
           <a:lstStyle/>
           <a:p>
@@ -12987,7 +12964,6 @@
               <a:rPr lang="sv-SE" dirty="0" smtClean="0"/>
               <a:t>Resultattabeller</a:t>
             </a:r>
-            <a:endParaRPr lang="sv-SE" dirty="0" smtClean="0"/>
           </a:p>
         </p:txBody>
       </p:sp>
@@ -13517,12 +13493,12 @@
           <a:graphicData uri="http://schemas.openxmlformats.org/presentationml/2006/ole">
             <mc:AlternateContent xmlns:mc="http://schemas.openxmlformats.org/markup-compatibility/2006">
               <mc:Choice xmlns:v="urn:schemas-microsoft-com:vml" Requires="v">
-                <p:oleObj spid="_x0000_s1034" name="Worksheet" r:id="rId4" imgW="2266740" imgH="3438731" progId="Excel.Sheet.12">
+                <p:oleObj spid="_x0000_s1035" name="Worksheet" r:id="rId5" imgW="2266740" imgH="3438731" progId="Excel.Sheet.12">
                   <p:embed/>
                 </p:oleObj>
               </mc:Choice>
               <mc:Fallback>
-                <p:oleObj name="Worksheet" r:id="rId4" imgW="2266740" imgH="3438731" progId="Excel.Sheet.12">
+                <p:oleObj name="Worksheet" r:id="rId5" imgW="2266740" imgH="3438731" progId="Excel.Sheet.12">
                   <p:embed/>
                   <p:pic>
                     <p:nvPicPr>
@@ -13531,7 +13507,7 @@
                       <p:nvPr/>
                     </p:nvPicPr>
                     <p:blipFill>
-                      <a:blip r:embed="rId5"/>
+                      <a:blip r:embed="rId6"/>
                       <a:stretch>
                         <a:fillRect/>
                       </a:stretch>
@@ -13578,7 +13554,7 @@
         </p:xfrm>
         <a:graphic>
           <a:graphicData uri="http://schemas.openxmlformats.org/drawingml/2006/chart">
-            <c:chart xmlns:c="http://schemas.openxmlformats.org/drawingml/2006/chart" xmlns:r="http://schemas.openxmlformats.org/officeDocument/2006/relationships" r:id="rId6"/>
+            <c:chart xmlns:c="http://schemas.openxmlformats.org/drawingml/2006/chart" xmlns:r="http://schemas.openxmlformats.org/officeDocument/2006/relationships" r:id="rId7"/>
           </a:graphicData>
         </a:graphic>
       </p:graphicFrame>
@@ -13778,12 +13754,12 @@
           <a:graphicData uri="http://schemas.openxmlformats.org/presentationml/2006/ole">
             <mc:AlternateContent xmlns:mc="http://schemas.openxmlformats.org/markup-compatibility/2006">
               <mc:Choice xmlns:v="urn:schemas-microsoft-com:vml" Requires="v">
-                <p:oleObj spid="_x0000_s2057" name="Worksheet" r:id="rId4" imgW="4838859" imgH="1533319" progId="Excel.Sheet.12">
+                <p:oleObj spid="_x0000_s2058" name="Worksheet" r:id="rId5" imgW="4838859" imgH="1533319" progId="Excel.Sheet.12">
                   <p:embed/>
                 </p:oleObj>
               </mc:Choice>
               <mc:Fallback>
-                <p:oleObj name="Worksheet" r:id="rId4" imgW="4838859" imgH="1533319" progId="Excel.Sheet.12">
+                <p:oleObj name="Worksheet" r:id="rId5" imgW="4838859" imgH="1533319" progId="Excel.Sheet.12">
                   <p:embed/>
                   <p:pic>
                     <p:nvPicPr>
@@ -13792,7 +13768,7 @@
                       <p:nvPr/>
                     </p:nvPicPr>
                     <p:blipFill>
-                      <a:blip r:embed="rId5"/>
+                      <a:blip r:embed="rId6"/>
                       <a:stretch>
                         <a:fillRect/>
                       </a:stretch>
@@ -13836,7 +13812,7 @@
         </p:xfrm>
         <a:graphic>
           <a:graphicData uri="http://schemas.openxmlformats.org/drawingml/2006/chart">
-            <c:chart xmlns:c="http://schemas.openxmlformats.org/drawingml/2006/chart" xmlns:r="http://schemas.openxmlformats.org/officeDocument/2006/relationships" r:id="rId6"/>
+            <c:chart xmlns:c="http://schemas.openxmlformats.org/drawingml/2006/chart" xmlns:r="http://schemas.openxmlformats.org/officeDocument/2006/relationships" r:id="rId7"/>
           </a:graphicData>
         </a:graphic>
       </p:graphicFrame>
@@ -15877,7 +15853,15 @@
             <a:pPr lvl="1"/>
             <a:r>
               <a:rPr lang="sv-SE" dirty="0" smtClean="0"/>
-              <a:t>Identifiera och kartlägg processen bakom</a:t>
+              <a:t>Identifiera och </a:t>
+            </a:r>
+            <a:r>
+              <a:rPr lang="sv-SE" dirty="0" smtClean="0"/>
+              <a:t>kartlägga </a:t>
+            </a:r>
+            <a:r>
+              <a:rPr lang="sv-SE" dirty="0" smtClean="0"/>
+              <a:t>processen bakom</a:t>
             </a:r>
           </a:p>
           <a:p>
@@ -15891,7 +15875,15 @@
             <a:pPr lvl="1"/>
             <a:r>
               <a:rPr lang="sv-SE" dirty="0" smtClean="0"/>
-              <a:t>Analysera och jämför olika lösningar</a:t>
+              <a:t>Analysera och </a:t>
+            </a:r>
+            <a:r>
+              <a:rPr lang="sv-SE" dirty="0" smtClean="0"/>
+              <a:t>jämföra </a:t>
+            </a:r>
+            <a:r>
+              <a:rPr lang="sv-SE" dirty="0" smtClean="0"/>
+              <a:t>olika lösningar</a:t>
             </a:r>
           </a:p>
           <a:p>

--- a/Presentation/PresentationLTH.pptx
+++ b/Presentation/PresentationLTH.pptx
@@ -5,7 +5,7 @@
     <p:sldMasterId id="2147483697" r:id="rId1"/>
   </p:sldMasterIdLst>
   <p:notesMasterIdLst>
-    <p:notesMasterId r:id="rId28"/>
+    <p:notesMasterId r:id="rId27"/>
   </p:notesMasterIdLst>
   <p:sldIdLst>
     <p:sldId id="256" r:id="rId2"/>
@@ -32,8 +32,7 @@
     <p:sldId id="279" r:id="rId23"/>
     <p:sldId id="280" r:id="rId24"/>
     <p:sldId id="282" r:id="rId25"/>
-    <p:sldId id="283" r:id="rId26"/>
-    <p:sldId id="260" r:id="rId27"/>
+    <p:sldId id="260" r:id="rId26"/>
   </p:sldIdLst>
   <p:sldSz cx="9144000" cy="6858000" type="screen4x3"/>
   <p:notesSz cx="6858000" cy="9144000"/>
@@ -441,11 +440,11 @@
         </c:dLbls>
         <c:gapWidth val="219"/>
         <c:overlap val="-27"/>
-        <c:axId val="1859827712"/>
-        <c:axId val="1859818464"/>
+        <c:axId val="1921638976"/>
+        <c:axId val="1921643328"/>
       </c:barChart>
       <c:catAx>
-        <c:axId val="1859827712"/>
+        <c:axId val="1921638976"/>
         <c:scaling>
           <c:orientation val="minMax"/>
         </c:scaling>
@@ -488,7 +487,7 @@
             <a:endParaRPr lang="sv-SE"/>
           </a:p>
         </c:txPr>
-        <c:crossAx val="1859818464"/>
+        <c:crossAx val="1921643328"/>
         <c:crosses val="autoZero"/>
         <c:auto val="1"/>
         <c:lblAlgn val="ctr"/>
@@ -496,7 +495,7 @@
         <c:noMultiLvlLbl val="0"/>
       </c:catAx>
       <c:valAx>
-        <c:axId val="1859818464"/>
+        <c:axId val="1921643328"/>
         <c:scaling>
           <c:orientation val="minMax"/>
         </c:scaling>
@@ -547,7 +546,7 @@
             <a:endParaRPr lang="sv-SE"/>
           </a:p>
         </c:txPr>
-        <c:crossAx val="1859827712"/>
+        <c:crossAx val="1921638976"/>
         <c:crosses val="autoZero"/>
         <c:crossBetween val="between"/>
       </c:valAx>
@@ -1076,11 +1075,11 @@
         </c:dLbls>
         <c:gapWidth val="219"/>
         <c:overlap val="-27"/>
-        <c:axId val="1860036288"/>
-        <c:axId val="2123637984"/>
+        <c:axId val="1922999376"/>
+        <c:axId val="1923004816"/>
       </c:barChart>
       <c:catAx>
-        <c:axId val="1860036288"/>
+        <c:axId val="1922999376"/>
         <c:scaling>
           <c:orientation val="minMax"/>
         </c:scaling>
@@ -1123,7 +1122,7 @@
             <a:endParaRPr lang="sv-SE"/>
           </a:p>
         </c:txPr>
-        <c:crossAx val="2123637984"/>
+        <c:crossAx val="1923004816"/>
         <c:crosses val="autoZero"/>
         <c:auto val="1"/>
         <c:lblAlgn val="ctr"/>
@@ -1131,7 +1130,7 @@
         <c:noMultiLvlLbl val="0"/>
       </c:catAx>
       <c:valAx>
-        <c:axId val="2123637984"/>
+        <c:axId val="1923004816"/>
         <c:scaling>
           <c:orientation val="minMax"/>
         </c:scaling>
@@ -1237,7 +1236,7 @@
             <a:endParaRPr lang="sv-SE"/>
           </a:p>
         </c:txPr>
-        <c:crossAx val="1860036288"/>
+        <c:crossAx val="1922999376"/>
         <c:crosses val="autoZero"/>
         <c:crossBetween val="between"/>
       </c:valAx>
@@ -1819,11 +1818,11 @@
         </c:dLbls>
         <c:gapWidth val="444"/>
         <c:overlap val="-90"/>
-        <c:axId val="2123633632"/>
-        <c:axId val="2123632544"/>
+        <c:axId val="2011432160"/>
+        <c:axId val="2011419104"/>
       </c:barChart>
       <c:catAx>
-        <c:axId val="2123633632"/>
+        <c:axId val="2011432160"/>
         <c:scaling>
           <c:orientation val="minMax"/>
         </c:scaling>
@@ -1880,7 +1879,7 @@
             <a:endParaRPr lang="sv-SE"/>
           </a:p>
         </c:txPr>
-        <c:crossAx val="2123632544"/>
+        <c:crossAx val="2011419104"/>
         <c:crosses val="autoZero"/>
         <c:auto val="1"/>
         <c:lblAlgn val="ctr"/>
@@ -1888,7 +1887,7 @@
         <c:noMultiLvlLbl val="0"/>
       </c:catAx>
       <c:valAx>
-        <c:axId val="2123632544"/>
+        <c:axId val="2011419104"/>
         <c:scaling>
           <c:orientation val="minMax"/>
         </c:scaling>
@@ -1898,7 +1897,7 @@
         <c:majorTickMark val="none"/>
         <c:minorTickMark val="none"/>
         <c:tickLblPos val="nextTo"/>
-        <c:crossAx val="2123633632"/>
+        <c:crossAx val="2011432160"/>
         <c:crosses val="autoZero"/>
         <c:crossBetween val="between"/>
       </c:valAx>
@@ -2222,11 +2221,11 @@
         </c:dLbls>
         <c:gapWidth val="219"/>
         <c:overlap val="-27"/>
-        <c:axId val="2123640704"/>
-        <c:axId val="2123627648"/>
+        <c:axId val="2011419648"/>
+        <c:axId val="2011423456"/>
       </c:barChart>
       <c:catAx>
-        <c:axId val="2123640704"/>
+        <c:axId val="2011419648"/>
         <c:scaling>
           <c:orientation val="minMax"/>
         </c:scaling>
@@ -2269,7 +2268,7 @@
             <a:endParaRPr lang="sv-SE"/>
           </a:p>
         </c:txPr>
-        <c:crossAx val="2123627648"/>
+        <c:crossAx val="2011423456"/>
         <c:crosses val="autoZero"/>
         <c:auto val="1"/>
         <c:lblAlgn val="ctr"/>
@@ -2277,7 +2276,7 @@
         <c:noMultiLvlLbl val="0"/>
       </c:catAx>
       <c:valAx>
-        <c:axId val="2123627648"/>
+        <c:axId val="2011423456"/>
         <c:scaling>
           <c:orientation val="minMax"/>
         </c:scaling>
@@ -2328,7 +2327,7 @@
             <a:endParaRPr lang="sv-SE"/>
           </a:p>
         </c:txPr>
-        <c:crossAx val="2123640704"/>
+        <c:crossAx val="2011419648"/>
         <c:crosses val="autoZero"/>
         <c:crossBetween val="between"/>
       </c:valAx>
@@ -5694,8 +5693,8 @@
       </dsp:nvSpPr>
       <dsp:spPr>
         <a:xfrm>
-          <a:off x="0" y="51119"/>
-          <a:ext cx="7510992" cy="772200"/>
+          <a:off x="0" y="2857"/>
+          <a:ext cx="7510992" cy="791505"/>
         </a:xfrm>
         <a:prstGeom prst="roundRect">
           <a:avLst/>
@@ -5760,8 +5759,8 @@
         </a:p>
       </dsp:txBody>
       <dsp:txXfrm>
-        <a:off x="37696" y="88815"/>
-        <a:ext cx="7435600" cy="696808"/>
+        <a:off x="38638" y="41495"/>
+        <a:ext cx="7433716" cy="714229"/>
       </dsp:txXfrm>
     </dsp:sp>
     <dsp:sp modelId="{633254C2-92B3-9A40-BE01-4A07BA6FD729}">
@@ -5771,8 +5770,8 @@
       </dsp:nvSpPr>
       <dsp:spPr>
         <a:xfrm>
-          <a:off x="0" y="918360"/>
-          <a:ext cx="7510992" cy="772200"/>
+          <a:off x="0" y="889402"/>
+          <a:ext cx="7510992" cy="791505"/>
         </a:xfrm>
         <a:prstGeom prst="roundRect">
           <a:avLst/>
@@ -5837,8 +5836,8 @@
         </a:p>
       </dsp:txBody>
       <dsp:txXfrm>
-        <a:off x="37696" y="956056"/>
-        <a:ext cx="7435600" cy="696808"/>
+        <a:off x="38638" y="928040"/>
+        <a:ext cx="7433716" cy="714229"/>
       </dsp:txXfrm>
     </dsp:sp>
     <dsp:sp modelId="{0C703321-1228-8B4C-9D1F-354E3CECCA1D}">
@@ -5848,8 +5847,8 @@
       </dsp:nvSpPr>
       <dsp:spPr>
         <a:xfrm>
-          <a:off x="0" y="1785600"/>
-          <a:ext cx="7510992" cy="772200"/>
+          <a:off x="0" y="1775947"/>
+          <a:ext cx="7510992" cy="791505"/>
         </a:xfrm>
         <a:prstGeom prst="roundRect">
           <a:avLst/>
@@ -5913,8 +5912,8 @@
         </a:p>
       </dsp:txBody>
       <dsp:txXfrm>
-        <a:off x="37696" y="1823296"/>
-        <a:ext cx="7435600" cy="696808"/>
+        <a:off x="38638" y="1814585"/>
+        <a:ext cx="7433716" cy="714229"/>
       </dsp:txXfrm>
     </dsp:sp>
     <dsp:sp modelId="{642E1836-6173-6047-A06B-782D4D50664F}">
@@ -5924,8 +5923,8 @@
       </dsp:nvSpPr>
       <dsp:spPr>
         <a:xfrm>
-          <a:off x="0" y="2652840"/>
-          <a:ext cx="7510992" cy="772200"/>
+          <a:off x="0" y="2662492"/>
+          <a:ext cx="7510992" cy="791505"/>
         </a:xfrm>
         <a:prstGeom prst="roundRect">
           <a:avLst/>
@@ -5989,8 +5988,8 @@
         </a:p>
       </dsp:txBody>
       <dsp:txXfrm>
-        <a:off x="37696" y="2690536"/>
-        <a:ext cx="7435600" cy="696808"/>
+        <a:off x="38638" y="2701130"/>
+        <a:ext cx="7433716" cy="714229"/>
       </dsp:txXfrm>
     </dsp:sp>
     <dsp:sp modelId="{EBC1C9F8-4796-5D44-B4AB-EF8C241C9E1C}">
@@ -6000,8 +5999,8 @@
       </dsp:nvSpPr>
       <dsp:spPr>
         <a:xfrm>
-          <a:off x="0" y="3520080"/>
-          <a:ext cx="7510992" cy="772200"/>
+          <a:off x="0" y="3549037"/>
+          <a:ext cx="7510992" cy="791505"/>
         </a:xfrm>
         <a:prstGeom prst="roundRect">
           <a:avLst/>
@@ -6065,8 +6064,8 @@
         </a:p>
       </dsp:txBody>
       <dsp:txXfrm>
-        <a:off x="37696" y="3557776"/>
-        <a:ext cx="7435600" cy="696808"/>
+        <a:off x="38638" y="3587675"/>
+        <a:ext cx="7433716" cy="714229"/>
       </dsp:txXfrm>
     </dsp:sp>
   </dsp:spTree>
@@ -7356,7 +7355,7 @@
           <a:p>
             <a:fld id="{0C21DDFB-BFA3-E940-84BF-8457A6C3037F}" type="datetimeFigureOut">
               <a:rPr lang="en-US" smtClean="0"/>
-              <a:t>6/2/2015</a:t>
+              <a:t>6/3/2015</a:t>
             </a:fld>
             <a:endParaRPr lang="en-US"/>
           </a:p>
@@ -7781,7 +7780,7 @@
           <a:p>
             <a:fld id="{25E12B60-3074-6E4A-AF19-E324BD5DB800}" type="slidenum">
               <a:rPr lang="en-US" smtClean="0"/>
-              <a:t>26</a:t>
+              <a:t>25</a:t>
             </a:fld>
             <a:endParaRPr lang="en-US"/>
           </a:p>
@@ -8759,7 +8758,7 @@
           <a:p>
             <a:fld id="{EDE730C8-68EF-E644-A0AE-21259D9B6BDC}" type="datetimeFigureOut">
               <a:rPr lang="en-US" smtClean="0"/>
-              <a:t>6/2/2015</a:t>
+              <a:t>6/3/2015</a:t>
             </a:fld>
             <a:endParaRPr lang="en-US"/>
           </a:p>
@@ -8951,7 +8950,7 @@
           <a:p>
             <a:fld id="{EDE730C8-68EF-E644-A0AE-21259D9B6BDC}" type="datetimeFigureOut">
               <a:rPr lang="en-US" smtClean="0"/>
-              <a:t>6/2/2015</a:t>
+              <a:t>6/3/2015</a:t>
             </a:fld>
             <a:endParaRPr lang="en-US"/>
           </a:p>
@@ -9220,7 +9219,7 @@
           <a:p>
             <a:fld id="{EDE730C8-68EF-E644-A0AE-21259D9B6BDC}" type="datetimeFigureOut">
               <a:rPr lang="en-US" smtClean="0"/>
-              <a:t>6/2/2015</a:t>
+              <a:t>6/3/2015</a:t>
             </a:fld>
             <a:endParaRPr lang="en-US"/>
           </a:p>
@@ -9399,7 +9398,7 @@
           <a:p>
             <a:fld id="{EDE730C8-68EF-E644-A0AE-21259D9B6BDC}" type="datetimeFigureOut">
               <a:rPr lang="en-US" smtClean="0"/>
-              <a:t>6/2/2015</a:t>
+              <a:t>6/3/2015</a:t>
             </a:fld>
             <a:endParaRPr lang="en-US"/>
           </a:p>
@@ -9568,7 +9567,7 @@
           <a:p>
             <a:fld id="{EDE730C8-68EF-E644-A0AE-21259D9B6BDC}" type="datetimeFigureOut">
               <a:rPr lang="en-US" smtClean="0"/>
-              <a:t>6/2/2015</a:t>
+              <a:t>6/3/2015</a:t>
             </a:fld>
             <a:endParaRPr lang="en-US"/>
           </a:p>
@@ -9810,7 +9809,7 @@
           <a:p>
             <a:fld id="{EDE730C8-68EF-E644-A0AE-21259D9B6BDC}" type="datetimeFigureOut">
               <a:rPr lang="en-US" smtClean="0"/>
-              <a:t>6/2/2015</a:t>
+              <a:t>6/3/2015</a:t>
             </a:fld>
             <a:endParaRPr lang="en-US"/>
           </a:p>
@@ -10133,7 +10132,7 @@
           <a:p>
             <a:fld id="{EDE730C8-68EF-E644-A0AE-21259D9B6BDC}" type="datetimeFigureOut">
               <a:rPr lang="en-US" smtClean="0"/>
-              <a:t>6/2/2015</a:t>
+              <a:t>6/3/2015</a:t>
             </a:fld>
             <a:endParaRPr lang="en-US"/>
           </a:p>
@@ -10431,7 +10430,7 @@
           <a:p>
             <a:fld id="{EDE730C8-68EF-E644-A0AE-21259D9B6BDC}" type="datetimeFigureOut">
               <a:rPr lang="en-US" smtClean="0"/>
-              <a:t>6/2/2015</a:t>
+              <a:t>6/3/2015</a:t>
             </a:fld>
             <a:endParaRPr lang="en-US"/>
           </a:p>
@@ -10887,7 +10886,7 @@
           <a:p>
             <a:fld id="{EDE730C8-68EF-E644-A0AE-21259D9B6BDC}" type="datetimeFigureOut">
               <a:rPr lang="en-US" smtClean="0"/>
-              <a:t>6/2/2015</a:t>
+              <a:t>6/3/2015</a:t>
             </a:fld>
             <a:endParaRPr lang="en-US"/>
           </a:p>
@@ -11000,7 +10999,7 @@
           <a:p>
             <a:fld id="{EDE730C8-68EF-E644-A0AE-21259D9B6BDC}" type="datetimeFigureOut">
               <a:rPr lang="en-US" smtClean="0"/>
-              <a:t>6/2/2015</a:t>
+              <a:t>6/3/2015</a:t>
             </a:fld>
             <a:endParaRPr lang="en-US"/>
           </a:p>
@@ -11090,7 +11089,7 @@
           <a:p>
             <a:fld id="{EDE730C8-68EF-E644-A0AE-21259D9B6BDC}" type="datetimeFigureOut">
               <a:rPr lang="en-US" smtClean="0"/>
-              <a:t>6/2/2015</a:t>
+              <a:t>6/3/2015</a:t>
             </a:fld>
             <a:endParaRPr lang="en-US"/>
           </a:p>
@@ -11372,7 +11371,7 @@
           <a:p>
             <a:fld id="{EDE730C8-68EF-E644-A0AE-21259D9B6BDC}" type="datetimeFigureOut">
               <a:rPr lang="en-US" smtClean="0"/>
-              <a:t>6/2/2015</a:t>
+              <a:t>6/3/2015</a:t>
             </a:fld>
             <a:endParaRPr lang="en-US"/>
           </a:p>
@@ -11578,7 +11577,7 @@
           <a:p>
             <a:fld id="{EDE730C8-68EF-E644-A0AE-21259D9B6BDC}" type="datetimeFigureOut">
               <a:rPr lang="en-US" smtClean="0"/>
-              <a:t>6/2/2015</a:t>
+              <a:t>6/3/2015</a:t>
             </a:fld>
             <a:endParaRPr lang="en-US"/>
           </a:p>
@@ -12513,12 +12512,6 @@
           <a:p>
             <a:r>
               <a:rPr lang="sv-SE" dirty="0" smtClean="0"/>
-              <a:t>Hur optimerar man bäst Querys?</a:t>
-            </a:r>
-          </a:p>
-          <a:p>
-            <a:r>
-              <a:rPr lang="sv-SE" dirty="0" smtClean="0"/>
               <a:t>Hur </a:t>
             </a:r>
             <a:r>
@@ -12654,7 +12647,7 @@
         </p:spPr>
         <p:txBody>
           <a:bodyPr>
-            <a:normAutofit fontScale="85000" lnSpcReduction="10000"/>
+            <a:normAutofit fontScale="92500"/>
           </a:bodyPr>
           <a:lstStyle/>
           <a:p>
@@ -13336,7 +13329,12 @@
             <p:ph idx="1"/>
           </p:nvPr>
         </p:nvSpPr>
-        <p:spPr/>
+        <p:spPr>
+          <a:xfrm>
+            <a:off x="629957" y="2450213"/>
+            <a:ext cx="3269690" cy="1725705"/>
+          </a:xfrm>
+        </p:spPr>
         <p:txBody>
           <a:bodyPr/>
           <a:lstStyle/>
@@ -13349,25 +13347,46 @@
           <a:p>
             <a:r>
               <a:rPr lang="sv-SE" dirty="0" smtClean="0"/>
-              <a:t>Saknas  vissa Index</a:t>
-            </a:r>
-          </a:p>
-          <a:p>
+              <a:t>Saknas  vissa </a:t>
+            </a:r>
             <a:r>
               <a:rPr lang="sv-SE" dirty="0" smtClean="0"/>
-              <a:t>Hög </a:t>
-            </a:r>
-            <a:r>
-              <a:rPr lang="sv-SE" dirty="0" err="1" smtClean="0"/>
-              <a:t>kardinalitet</a:t>
+              <a:t>Index</a:t>
             </a:r>
             <a:endParaRPr lang="sv-SE" dirty="0" smtClean="0"/>
-          </a:p>
-          <a:p>
-            <a:endParaRPr lang="sv-SE" dirty="0"/>
           </a:p>
         </p:txBody>
       </p:sp>
+      <p:pic>
+        <p:nvPicPr>
+          <p:cNvPr id="4" name="Picture 3"/>
+          <p:cNvPicPr>
+            <a:picLocks noChangeAspect="1"/>
+          </p:cNvPicPr>
+          <p:nvPr/>
+        </p:nvPicPr>
+        <p:blipFill>
+          <a:blip r:embed="rId3">
+            <a:extLst>
+              <a:ext uri="{28A0092B-C50C-407E-A947-70E740481C1C}">
+                <a14:useLocalDpi xmlns:a14="http://schemas.microsoft.com/office/drawing/2010/main" val="0"/>
+              </a:ext>
+            </a:extLst>
+          </a:blip>
+          <a:stretch>
+            <a:fillRect/>
+          </a:stretch>
+        </p:blipFill>
+        <p:spPr>
+          <a:xfrm>
+            <a:off x="4370166" y="1749333"/>
+            <a:ext cx="4225331" cy="3127467"/>
+          </a:xfrm>
+          <a:prstGeom prst="rect">
+            <a:avLst/>
+          </a:prstGeom>
+        </p:spPr>
+      </p:pic>
     </p:spTree>
     <p:extLst>
       <p:ext uri="{BB962C8B-B14F-4D97-AF65-F5344CB8AC3E}">
@@ -13493,12 +13512,12 @@
           <a:graphicData uri="http://schemas.openxmlformats.org/presentationml/2006/ole">
             <mc:AlternateContent xmlns:mc="http://schemas.openxmlformats.org/markup-compatibility/2006">
               <mc:Choice xmlns:v="urn:schemas-microsoft-com:vml" Requires="v">
-                <p:oleObj spid="_x0000_s1035" name="Worksheet" r:id="rId5" imgW="2266740" imgH="3438731" progId="Excel.Sheet.12">
+                <p:oleObj spid="_x0000_s1039" name="Worksheet" r:id="rId4" imgW="2266740" imgH="3438731" progId="Excel.Sheet.12">
                   <p:embed/>
                 </p:oleObj>
               </mc:Choice>
               <mc:Fallback>
-                <p:oleObj name="Worksheet" r:id="rId5" imgW="2266740" imgH="3438731" progId="Excel.Sheet.12">
+                <p:oleObj name="Worksheet" r:id="rId4" imgW="2266740" imgH="3438731" progId="Excel.Sheet.12">
                   <p:embed/>
                   <p:pic>
                     <p:nvPicPr>
@@ -13507,7 +13526,7 @@
                       <p:nvPr/>
                     </p:nvPicPr>
                     <p:blipFill>
-                      <a:blip r:embed="rId6"/>
+                      <a:blip r:embed="rId5"/>
                       <a:stretch>
                         <a:fillRect/>
                       </a:stretch>
@@ -13554,7 +13573,7 @@
         </p:xfrm>
         <a:graphic>
           <a:graphicData uri="http://schemas.openxmlformats.org/drawingml/2006/chart">
-            <c:chart xmlns:c="http://schemas.openxmlformats.org/drawingml/2006/chart" xmlns:r="http://schemas.openxmlformats.org/officeDocument/2006/relationships" r:id="rId7"/>
+            <c:chart xmlns:c="http://schemas.openxmlformats.org/drawingml/2006/chart" xmlns:r="http://schemas.openxmlformats.org/officeDocument/2006/relationships" r:id="rId6"/>
           </a:graphicData>
         </a:graphic>
       </p:graphicFrame>
@@ -13754,12 +13773,12 @@
           <a:graphicData uri="http://schemas.openxmlformats.org/presentationml/2006/ole">
             <mc:AlternateContent xmlns:mc="http://schemas.openxmlformats.org/markup-compatibility/2006">
               <mc:Choice xmlns:v="urn:schemas-microsoft-com:vml" Requires="v">
-                <p:oleObj spid="_x0000_s2058" name="Worksheet" r:id="rId5" imgW="4838859" imgH="1533319" progId="Excel.Sheet.12">
+                <p:oleObj spid="_x0000_s2062" name="Worksheet" r:id="rId4" imgW="4838859" imgH="1533319" progId="Excel.Sheet.12">
                   <p:embed/>
                 </p:oleObj>
               </mc:Choice>
               <mc:Fallback>
-                <p:oleObj name="Worksheet" r:id="rId5" imgW="4838859" imgH="1533319" progId="Excel.Sheet.12">
+                <p:oleObj name="Worksheet" r:id="rId4" imgW="4838859" imgH="1533319" progId="Excel.Sheet.12">
                   <p:embed/>
                   <p:pic>
                     <p:nvPicPr>
@@ -13768,7 +13787,7 @@
                       <p:nvPr/>
                     </p:nvPicPr>
                     <p:blipFill>
-                      <a:blip r:embed="rId6"/>
+                      <a:blip r:embed="rId5"/>
                       <a:stretch>
                         <a:fillRect/>
                       </a:stretch>
@@ -13812,7 +13831,7 @@
         </p:xfrm>
         <a:graphic>
           <a:graphicData uri="http://schemas.openxmlformats.org/drawingml/2006/chart">
-            <c:chart xmlns:c="http://schemas.openxmlformats.org/drawingml/2006/chart" xmlns:r="http://schemas.openxmlformats.org/officeDocument/2006/relationships" r:id="rId7"/>
+            <c:chart xmlns:c="http://schemas.openxmlformats.org/drawingml/2006/chart" xmlns:r="http://schemas.openxmlformats.org/officeDocument/2006/relationships" r:id="rId6"/>
           </a:graphicData>
         </a:graphic>
       </p:graphicFrame>
@@ -15365,6 +15384,13 @@
             </a:r>
             <a:endParaRPr lang="sv-SE" dirty="0" smtClean="0"/>
           </a:p>
+          <a:p>
+            <a:r>
+              <a:rPr lang="sv-SE" dirty="0" smtClean="0"/>
+              <a:t>Fortsatt arbete</a:t>
+            </a:r>
+            <a:endParaRPr lang="sv-SE" dirty="0" smtClean="0"/>
+          </a:p>
         </p:txBody>
       </p:sp>
     </p:spTree>
@@ -15381,107 +15407,6 @@
 </file>
 
 <file path=ppt/slides/slide25.xml><?xml version="1.0" encoding="utf-8"?>
-<p:sld xmlns:a="http://schemas.openxmlformats.org/drawingml/2006/main" xmlns:r="http://schemas.openxmlformats.org/officeDocument/2006/relationships" xmlns:p="http://schemas.openxmlformats.org/presentationml/2006/main">
-  <p:cSld>
-    <p:spTree>
-      <p:nvGrpSpPr>
-        <p:cNvPr id="1" name=""/>
-        <p:cNvGrpSpPr/>
-        <p:nvPr/>
-      </p:nvGrpSpPr>
-      <p:grpSpPr>
-        <a:xfrm>
-          <a:off x="0" y="0"/>
-          <a:ext cx="0" cy="0"/>
-          <a:chOff x="0" y="0"/>
-          <a:chExt cx="0" cy="0"/>
-        </a:xfrm>
-      </p:grpSpPr>
-      <p:sp>
-        <p:nvSpPr>
-          <p:cNvPr id="2" name="Title 1"/>
-          <p:cNvSpPr>
-            <a:spLocks noGrp="1"/>
-          </p:cNvSpPr>
-          <p:nvPr>
-            <p:ph type="title"/>
-          </p:nvPr>
-        </p:nvSpPr>
-        <p:spPr/>
-        <p:txBody>
-          <a:bodyPr/>
-          <a:lstStyle/>
-          <a:p>
-            <a:r>
-              <a:rPr lang="sv-SE" dirty="0" smtClean="0"/>
-              <a:t>Diskussion</a:t>
-            </a:r>
-            <a:endParaRPr lang="sv-SE" dirty="0"/>
-          </a:p>
-        </p:txBody>
-      </p:sp>
-      <p:sp>
-        <p:nvSpPr>
-          <p:cNvPr id="3" name="Content Placeholder 2"/>
-          <p:cNvSpPr>
-            <a:spLocks noGrp="1"/>
-          </p:cNvSpPr>
-          <p:nvPr>
-            <p:ph idx="1"/>
-          </p:nvPr>
-        </p:nvSpPr>
-        <p:spPr/>
-        <p:txBody>
-          <a:bodyPr/>
-          <a:lstStyle/>
-          <a:p>
-            <a:r>
-              <a:rPr lang="sv-SE" dirty="0" smtClean="0"/>
-              <a:t>Lösningen</a:t>
-            </a:r>
-          </a:p>
-          <a:p>
-            <a:r>
-              <a:rPr lang="sv-SE" dirty="0" smtClean="0"/>
-              <a:t>Beskriven teori som inte användes</a:t>
-            </a:r>
-          </a:p>
-          <a:p>
-            <a:r>
-              <a:rPr lang="sv-SE" dirty="0" smtClean="0"/>
-              <a:t>In-</a:t>
-            </a:r>
-            <a:r>
-              <a:rPr lang="sv-SE" dirty="0" err="1" smtClean="0"/>
-              <a:t>Memory</a:t>
-            </a:r>
-            <a:r>
-              <a:rPr lang="sv-SE" dirty="0" smtClean="0"/>
-              <a:t> OLTP</a:t>
-            </a:r>
-          </a:p>
-          <a:p>
-            <a:r>
-              <a:rPr lang="sv-SE" dirty="0" smtClean="0"/>
-              <a:t>Framtida förbättringar</a:t>
-            </a:r>
-          </a:p>
-        </p:txBody>
-      </p:sp>
-    </p:spTree>
-    <p:extLst>
-      <p:ext uri="{BB962C8B-B14F-4D97-AF65-F5344CB8AC3E}">
-        <p14:creationId xmlns:p14="http://schemas.microsoft.com/office/powerpoint/2010/main" val="1899588723"/>
-      </p:ext>
-    </p:extLst>
-  </p:cSld>
-  <p:clrMapOvr>
-    <a:masterClrMapping/>
-  </p:clrMapOvr>
-</p:sld>
-</file>
-
-<file path=ppt/slides/slide26.xml><?xml version="1.0" encoding="utf-8"?>
 <p:sld xmlns:a="http://schemas.openxmlformats.org/drawingml/2006/main" xmlns:r="http://schemas.openxmlformats.org/officeDocument/2006/relationships" xmlns:p="http://schemas.openxmlformats.org/presentationml/2006/main">
   <p:cSld>
     <p:spTree>
@@ -15853,15 +15778,7 @@
             <a:pPr lvl="1"/>
             <a:r>
               <a:rPr lang="sv-SE" dirty="0" smtClean="0"/>
-              <a:t>Identifiera och </a:t>
-            </a:r>
-            <a:r>
-              <a:rPr lang="sv-SE" dirty="0" smtClean="0"/>
-              <a:t>kartlägga </a:t>
-            </a:r>
-            <a:r>
-              <a:rPr lang="sv-SE" dirty="0" smtClean="0"/>
-              <a:t>processen bakom</a:t>
+              <a:t>Identifiera och kartlägga processen bakom</a:t>
             </a:r>
           </a:p>
           <a:p>
@@ -15875,15 +15792,7 @@
             <a:pPr lvl="1"/>
             <a:r>
               <a:rPr lang="sv-SE" dirty="0" smtClean="0"/>
-              <a:t>Analysera och </a:t>
-            </a:r>
-            <a:r>
-              <a:rPr lang="sv-SE" dirty="0" smtClean="0"/>
-              <a:t>jämföra </a:t>
-            </a:r>
-            <a:r>
-              <a:rPr lang="sv-SE" dirty="0" smtClean="0"/>
-              <a:t>olika lösningar</a:t>
+              <a:t>Analysera och jämföra olika lösningar</a:t>
             </a:r>
           </a:p>
           <a:p>

--- a/Presentation/PresentationLTH.pptx
+++ b/Presentation/PresentationLTH.pptx
@@ -13,8 +13,8 @@
     <p:sldId id="261" r:id="rId4"/>
     <p:sldId id="272" r:id="rId5"/>
     <p:sldId id="262" r:id="rId6"/>
-    <p:sldId id="265" r:id="rId7"/>
-    <p:sldId id="263" r:id="rId8"/>
+    <p:sldId id="263" r:id="rId7"/>
+    <p:sldId id="265" r:id="rId8"/>
     <p:sldId id="264" r:id="rId9"/>
     <p:sldId id="269" r:id="rId10"/>
     <p:sldId id="281" r:id="rId11"/>
@@ -440,11 +440,11 @@
         </c:dLbls>
         <c:gapWidth val="219"/>
         <c:overlap val="-27"/>
-        <c:axId val="1921638976"/>
-        <c:axId val="1921643328"/>
+        <c:axId val="1644735456"/>
+        <c:axId val="1644744160"/>
       </c:barChart>
       <c:catAx>
-        <c:axId val="1921638976"/>
+        <c:axId val="1644735456"/>
         <c:scaling>
           <c:orientation val="minMax"/>
         </c:scaling>
@@ -487,7 +487,7 @@
             <a:endParaRPr lang="sv-SE"/>
           </a:p>
         </c:txPr>
-        <c:crossAx val="1921643328"/>
+        <c:crossAx val="1644744160"/>
         <c:crosses val="autoZero"/>
         <c:auto val="1"/>
         <c:lblAlgn val="ctr"/>
@@ -495,7 +495,7 @@
         <c:noMultiLvlLbl val="0"/>
       </c:catAx>
       <c:valAx>
-        <c:axId val="1921643328"/>
+        <c:axId val="1644744160"/>
         <c:scaling>
           <c:orientation val="minMax"/>
         </c:scaling>
@@ -546,7 +546,7 @@
             <a:endParaRPr lang="sv-SE"/>
           </a:p>
         </c:txPr>
-        <c:crossAx val="1921638976"/>
+        <c:crossAx val="1644735456"/>
         <c:crosses val="autoZero"/>
         <c:crossBetween val="between"/>
       </c:valAx>
@@ -1075,11 +1075,11 @@
         </c:dLbls>
         <c:gapWidth val="219"/>
         <c:overlap val="-27"/>
-        <c:axId val="1922999376"/>
-        <c:axId val="1923004816"/>
+        <c:axId val="1644743072"/>
+        <c:axId val="1644736000"/>
       </c:barChart>
       <c:catAx>
-        <c:axId val="1922999376"/>
+        <c:axId val="1644743072"/>
         <c:scaling>
           <c:orientation val="minMax"/>
         </c:scaling>
@@ -1122,7 +1122,7 @@
             <a:endParaRPr lang="sv-SE"/>
           </a:p>
         </c:txPr>
-        <c:crossAx val="1923004816"/>
+        <c:crossAx val="1644736000"/>
         <c:crosses val="autoZero"/>
         <c:auto val="1"/>
         <c:lblAlgn val="ctr"/>
@@ -1130,7 +1130,7 @@
         <c:noMultiLvlLbl val="0"/>
       </c:catAx>
       <c:valAx>
-        <c:axId val="1923004816"/>
+        <c:axId val="1644736000"/>
         <c:scaling>
           <c:orientation val="minMax"/>
         </c:scaling>
@@ -1236,7 +1236,7 @@
             <a:endParaRPr lang="sv-SE"/>
           </a:p>
         </c:txPr>
-        <c:crossAx val="1922999376"/>
+        <c:crossAx val="1644743072"/>
         <c:crosses val="autoZero"/>
         <c:crossBetween val="between"/>
       </c:valAx>
@@ -1818,11 +1818,11 @@
         </c:dLbls>
         <c:gapWidth val="444"/>
         <c:overlap val="-90"/>
-        <c:axId val="2011432160"/>
-        <c:axId val="2011419104"/>
+        <c:axId val="1713395232"/>
+        <c:axId val="1713399040"/>
       </c:barChart>
       <c:catAx>
-        <c:axId val="2011432160"/>
+        <c:axId val="1713395232"/>
         <c:scaling>
           <c:orientation val="minMax"/>
         </c:scaling>
@@ -1879,7 +1879,7 @@
             <a:endParaRPr lang="sv-SE"/>
           </a:p>
         </c:txPr>
-        <c:crossAx val="2011419104"/>
+        <c:crossAx val="1713399040"/>
         <c:crosses val="autoZero"/>
         <c:auto val="1"/>
         <c:lblAlgn val="ctr"/>
@@ -1887,7 +1887,7 @@
         <c:noMultiLvlLbl val="0"/>
       </c:catAx>
       <c:valAx>
-        <c:axId val="2011419104"/>
+        <c:axId val="1713399040"/>
         <c:scaling>
           <c:orientation val="minMax"/>
         </c:scaling>
@@ -1897,7 +1897,7 @@
         <c:majorTickMark val="none"/>
         <c:minorTickMark val="none"/>
         <c:tickLblPos val="nextTo"/>
-        <c:crossAx val="2011432160"/>
+        <c:crossAx val="1713395232"/>
         <c:crosses val="autoZero"/>
         <c:crossBetween val="between"/>
       </c:valAx>
@@ -2221,11 +2221,11 @@
         </c:dLbls>
         <c:gapWidth val="219"/>
         <c:overlap val="-27"/>
-        <c:axId val="2011419648"/>
-        <c:axId val="2011423456"/>
+        <c:axId val="1713401760"/>
+        <c:axId val="1713397952"/>
       </c:barChart>
       <c:catAx>
-        <c:axId val="2011419648"/>
+        <c:axId val="1713401760"/>
         <c:scaling>
           <c:orientation val="minMax"/>
         </c:scaling>
@@ -2268,7 +2268,7 @@
             <a:endParaRPr lang="sv-SE"/>
           </a:p>
         </c:txPr>
-        <c:crossAx val="2011423456"/>
+        <c:crossAx val="1713397952"/>
         <c:crosses val="autoZero"/>
         <c:auto val="1"/>
         <c:lblAlgn val="ctr"/>
@@ -2276,7 +2276,7 @@
         <c:noMultiLvlLbl val="0"/>
       </c:catAx>
       <c:valAx>
-        <c:axId val="2011423456"/>
+        <c:axId val="1713397952"/>
         <c:scaling>
           <c:orientation val="minMax"/>
         </c:scaling>
@@ -2327,7 +2327,7 @@
             <a:endParaRPr lang="sv-SE"/>
           </a:p>
         </c:txPr>
-        <c:crossAx val="2011419648"/>
+        <c:crossAx val="1713401760"/>
         <c:crosses val="autoZero"/>
         <c:crossBetween val="between"/>
       </c:valAx>
@@ -5686,388 +5686,6 @@
       <dsp:cNvGrpSpPr/>
     </dsp:nvGrpSpPr>
     <dsp:grpSpPr/>
-    <dsp:sp modelId="{5990028A-6F15-1041-A416-415AEB01D3A4}">
-      <dsp:nvSpPr>
-        <dsp:cNvPr id="0" name=""/>
-        <dsp:cNvSpPr/>
-      </dsp:nvSpPr>
-      <dsp:spPr>
-        <a:xfrm>
-          <a:off x="0" y="2857"/>
-          <a:ext cx="7510992" cy="791505"/>
-        </a:xfrm>
-        <a:prstGeom prst="roundRect">
-          <a:avLst/>
-        </a:prstGeom>
-        <a:solidFill>
-          <a:schemeClr val="accent1">
-            <a:hueOff val="0"/>
-            <a:satOff val="0"/>
-            <a:lumOff val="0"/>
-            <a:alphaOff val="0"/>
-          </a:schemeClr>
-        </a:solidFill>
-        <a:ln w="25400" cap="flat" cmpd="dbl" algn="ctr">
-          <a:solidFill>
-            <a:schemeClr val="lt1">
-              <a:hueOff val="0"/>
-              <a:satOff val="0"/>
-              <a:lumOff val="0"/>
-              <a:alphaOff val="0"/>
-            </a:schemeClr>
-          </a:solidFill>
-          <a:prstDash val="solid"/>
-        </a:ln>
-        <a:effectLst/>
-      </dsp:spPr>
-      <dsp:style>
-        <a:lnRef idx="2">
-          <a:scrgbClr r="0" g="0" b="0"/>
-        </a:lnRef>
-        <a:fillRef idx="1">
-          <a:scrgbClr r="0" g="0" b="0"/>
-        </a:fillRef>
-        <a:effectRef idx="0">
-          <a:scrgbClr r="0" g="0" b="0"/>
-        </a:effectRef>
-        <a:fontRef idx="minor">
-          <a:schemeClr val="lt1"/>
-        </a:fontRef>
-      </dsp:style>
-      <dsp:txBody>
-        <a:bodyPr spcFirstLastPara="0" vert="horz" wrap="square" lIns="125730" tIns="125730" rIns="125730" bIns="125730" numCol="1" spcCol="1270" anchor="ctr" anchorCtr="0">
-          <a:noAutofit/>
-        </a:bodyPr>
-        <a:lstStyle/>
-        <a:p>
-          <a:pPr lvl="0" algn="l" defTabSz="1466850">
-            <a:lnSpc>
-              <a:spcPct val="90000"/>
-            </a:lnSpc>
-            <a:spcBef>
-              <a:spcPct val="0"/>
-            </a:spcBef>
-            <a:spcAft>
-              <a:spcPct val="35000"/>
-            </a:spcAft>
-          </a:pPr>
-          <a:r>
-            <a:rPr lang="sv-SE" sz="3300" kern="1200" dirty="0" smtClean="0"/>
-            <a:t>Bakgrund &amp; Syfte</a:t>
-          </a:r>
-          <a:endParaRPr lang="en-US" sz="3300" kern="1200" dirty="0"/>
-        </a:p>
-      </dsp:txBody>
-      <dsp:txXfrm>
-        <a:off x="38638" y="41495"/>
-        <a:ext cx="7433716" cy="714229"/>
-      </dsp:txXfrm>
-    </dsp:sp>
-    <dsp:sp modelId="{633254C2-92B3-9A40-BE01-4A07BA6FD729}">
-      <dsp:nvSpPr>
-        <dsp:cNvPr id="0" name=""/>
-        <dsp:cNvSpPr/>
-      </dsp:nvSpPr>
-      <dsp:spPr>
-        <a:xfrm>
-          <a:off x="0" y="889402"/>
-          <a:ext cx="7510992" cy="791505"/>
-        </a:xfrm>
-        <a:prstGeom prst="roundRect">
-          <a:avLst/>
-        </a:prstGeom>
-        <a:solidFill>
-          <a:schemeClr val="accent1">
-            <a:hueOff val="0"/>
-            <a:satOff val="0"/>
-            <a:lumOff val="0"/>
-            <a:alphaOff val="0"/>
-          </a:schemeClr>
-        </a:solidFill>
-        <a:ln w="25400" cap="flat" cmpd="dbl" algn="ctr">
-          <a:solidFill>
-            <a:schemeClr val="lt1">
-              <a:hueOff val="0"/>
-              <a:satOff val="0"/>
-              <a:lumOff val="0"/>
-              <a:alphaOff val="0"/>
-            </a:schemeClr>
-          </a:solidFill>
-          <a:prstDash val="solid"/>
-        </a:ln>
-        <a:effectLst/>
-      </dsp:spPr>
-      <dsp:style>
-        <a:lnRef idx="2">
-          <a:scrgbClr r="0" g="0" b="0"/>
-        </a:lnRef>
-        <a:fillRef idx="1">
-          <a:scrgbClr r="0" g="0" b="0"/>
-        </a:fillRef>
-        <a:effectRef idx="0">
-          <a:scrgbClr r="0" g="0" b="0"/>
-        </a:effectRef>
-        <a:fontRef idx="minor">
-          <a:schemeClr val="lt1"/>
-        </a:fontRef>
-      </dsp:style>
-      <dsp:txBody>
-        <a:bodyPr spcFirstLastPara="0" vert="horz" wrap="square" lIns="125730" tIns="125730" rIns="125730" bIns="125730" numCol="1" spcCol="1270" anchor="ctr" anchorCtr="0">
-          <a:noAutofit/>
-        </a:bodyPr>
-        <a:lstStyle/>
-        <a:p>
-          <a:pPr lvl="0" algn="l" defTabSz="1466850">
-            <a:lnSpc>
-              <a:spcPct val="90000"/>
-            </a:lnSpc>
-            <a:spcBef>
-              <a:spcPct val="0"/>
-            </a:spcBef>
-            <a:spcAft>
-              <a:spcPct val="35000"/>
-            </a:spcAft>
-          </a:pPr>
-          <a:r>
-            <a:rPr lang="sv-SE" sz="3300" kern="1200" dirty="0" smtClean="0"/>
-            <a:t>Research</a:t>
-          </a:r>
-          <a:endParaRPr lang="sv-SE" sz="3300" kern="1200" dirty="0"/>
-        </a:p>
-      </dsp:txBody>
-      <dsp:txXfrm>
-        <a:off x="38638" y="928040"/>
-        <a:ext cx="7433716" cy="714229"/>
-      </dsp:txXfrm>
-    </dsp:sp>
-    <dsp:sp modelId="{0C703321-1228-8B4C-9D1F-354E3CECCA1D}">
-      <dsp:nvSpPr>
-        <dsp:cNvPr id="0" name=""/>
-        <dsp:cNvSpPr/>
-      </dsp:nvSpPr>
-      <dsp:spPr>
-        <a:xfrm>
-          <a:off x="0" y="1775947"/>
-          <a:ext cx="7510992" cy="791505"/>
-        </a:xfrm>
-        <a:prstGeom prst="roundRect">
-          <a:avLst/>
-        </a:prstGeom>
-        <a:solidFill>
-          <a:schemeClr val="accent1">
-            <a:hueOff val="0"/>
-            <a:satOff val="0"/>
-            <a:lumOff val="0"/>
-            <a:alphaOff val="0"/>
-          </a:schemeClr>
-        </a:solidFill>
-        <a:ln w="25400" cap="flat" cmpd="dbl" algn="ctr">
-          <a:solidFill>
-            <a:schemeClr val="lt1">
-              <a:hueOff val="0"/>
-              <a:satOff val="0"/>
-              <a:lumOff val="0"/>
-              <a:alphaOff val="0"/>
-            </a:schemeClr>
-          </a:solidFill>
-          <a:prstDash val="solid"/>
-        </a:ln>
-        <a:effectLst/>
-      </dsp:spPr>
-      <dsp:style>
-        <a:lnRef idx="2">
-          <a:scrgbClr r="0" g="0" b="0"/>
-        </a:lnRef>
-        <a:fillRef idx="1">
-          <a:scrgbClr r="0" g="0" b="0"/>
-        </a:fillRef>
-        <a:effectRef idx="0">
-          <a:scrgbClr r="0" g="0" b="0"/>
-        </a:effectRef>
-        <a:fontRef idx="minor">
-          <a:schemeClr val="lt1"/>
-        </a:fontRef>
-      </dsp:style>
-      <dsp:txBody>
-        <a:bodyPr spcFirstLastPara="0" vert="horz" wrap="square" lIns="125730" tIns="125730" rIns="125730" bIns="125730" numCol="1" spcCol="1270" anchor="ctr" anchorCtr="0">
-          <a:noAutofit/>
-        </a:bodyPr>
-        <a:lstStyle/>
-        <a:p>
-          <a:pPr lvl="0" algn="l" defTabSz="1466850">
-            <a:lnSpc>
-              <a:spcPct val="90000"/>
-            </a:lnSpc>
-            <a:spcBef>
-              <a:spcPct val="0"/>
-            </a:spcBef>
-            <a:spcAft>
-              <a:spcPct val="35000"/>
-            </a:spcAft>
-          </a:pPr>
-          <a:r>
-            <a:rPr lang="sv-SE" sz="3300" kern="1200" dirty="0" smtClean="0"/>
-            <a:t>Experimentering &amp; Analys</a:t>
-          </a:r>
-        </a:p>
-      </dsp:txBody>
-      <dsp:txXfrm>
-        <a:off x="38638" y="1814585"/>
-        <a:ext cx="7433716" cy="714229"/>
-      </dsp:txXfrm>
-    </dsp:sp>
-    <dsp:sp modelId="{642E1836-6173-6047-A06B-782D4D50664F}">
-      <dsp:nvSpPr>
-        <dsp:cNvPr id="0" name=""/>
-        <dsp:cNvSpPr/>
-      </dsp:nvSpPr>
-      <dsp:spPr>
-        <a:xfrm>
-          <a:off x="0" y="2662492"/>
-          <a:ext cx="7510992" cy="791505"/>
-        </a:xfrm>
-        <a:prstGeom prst="roundRect">
-          <a:avLst/>
-        </a:prstGeom>
-        <a:solidFill>
-          <a:schemeClr val="accent1">
-            <a:hueOff val="0"/>
-            <a:satOff val="0"/>
-            <a:lumOff val="0"/>
-            <a:alphaOff val="0"/>
-          </a:schemeClr>
-        </a:solidFill>
-        <a:ln w="25400" cap="flat" cmpd="dbl" algn="ctr">
-          <a:solidFill>
-            <a:schemeClr val="lt1">
-              <a:hueOff val="0"/>
-              <a:satOff val="0"/>
-              <a:lumOff val="0"/>
-              <a:alphaOff val="0"/>
-            </a:schemeClr>
-          </a:solidFill>
-          <a:prstDash val="solid"/>
-        </a:ln>
-        <a:effectLst/>
-      </dsp:spPr>
-      <dsp:style>
-        <a:lnRef idx="2">
-          <a:scrgbClr r="0" g="0" b="0"/>
-        </a:lnRef>
-        <a:fillRef idx="1">
-          <a:scrgbClr r="0" g="0" b="0"/>
-        </a:fillRef>
-        <a:effectRef idx="0">
-          <a:scrgbClr r="0" g="0" b="0"/>
-        </a:effectRef>
-        <a:fontRef idx="minor">
-          <a:schemeClr val="lt1"/>
-        </a:fontRef>
-      </dsp:style>
-      <dsp:txBody>
-        <a:bodyPr spcFirstLastPara="0" vert="horz" wrap="square" lIns="125730" tIns="125730" rIns="125730" bIns="125730" numCol="1" spcCol="1270" anchor="ctr" anchorCtr="0">
-          <a:noAutofit/>
-        </a:bodyPr>
-        <a:lstStyle/>
-        <a:p>
-          <a:pPr lvl="0" algn="l" defTabSz="1466850">
-            <a:lnSpc>
-              <a:spcPct val="90000"/>
-            </a:lnSpc>
-            <a:spcBef>
-              <a:spcPct val="0"/>
-            </a:spcBef>
-            <a:spcAft>
-              <a:spcPct val="35000"/>
-            </a:spcAft>
-          </a:pPr>
-          <a:r>
-            <a:rPr lang="sv-SE" sz="3300" kern="1200" dirty="0" smtClean="0"/>
-            <a:t>Resultat &amp; Rekommendation</a:t>
-          </a:r>
-        </a:p>
-      </dsp:txBody>
-      <dsp:txXfrm>
-        <a:off x="38638" y="2701130"/>
-        <a:ext cx="7433716" cy="714229"/>
-      </dsp:txXfrm>
-    </dsp:sp>
-    <dsp:sp modelId="{EBC1C9F8-4796-5D44-B4AB-EF8C241C9E1C}">
-      <dsp:nvSpPr>
-        <dsp:cNvPr id="0" name=""/>
-        <dsp:cNvSpPr/>
-      </dsp:nvSpPr>
-      <dsp:spPr>
-        <a:xfrm>
-          <a:off x="0" y="3549037"/>
-          <a:ext cx="7510992" cy="791505"/>
-        </a:xfrm>
-        <a:prstGeom prst="roundRect">
-          <a:avLst/>
-        </a:prstGeom>
-        <a:solidFill>
-          <a:schemeClr val="accent1">
-            <a:hueOff val="0"/>
-            <a:satOff val="0"/>
-            <a:lumOff val="0"/>
-            <a:alphaOff val="0"/>
-          </a:schemeClr>
-        </a:solidFill>
-        <a:ln w="25400" cap="flat" cmpd="dbl" algn="ctr">
-          <a:solidFill>
-            <a:schemeClr val="lt1">
-              <a:hueOff val="0"/>
-              <a:satOff val="0"/>
-              <a:lumOff val="0"/>
-              <a:alphaOff val="0"/>
-            </a:schemeClr>
-          </a:solidFill>
-          <a:prstDash val="solid"/>
-        </a:ln>
-        <a:effectLst/>
-      </dsp:spPr>
-      <dsp:style>
-        <a:lnRef idx="2">
-          <a:scrgbClr r="0" g="0" b="0"/>
-        </a:lnRef>
-        <a:fillRef idx="1">
-          <a:scrgbClr r="0" g="0" b="0"/>
-        </a:fillRef>
-        <a:effectRef idx="0">
-          <a:scrgbClr r="0" g="0" b="0"/>
-        </a:effectRef>
-        <a:fontRef idx="minor">
-          <a:schemeClr val="lt1"/>
-        </a:fontRef>
-      </dsp:style>
-      <dsp:txBody>
-        <a:bodyPr spcFirstLastPara="0" vert="horz" wrap="square" lIns="125730" tIns="125730" rIns="125730" bIns="125730" numCol="1" spcCol="1270" anchor="ctr" anchorCtr="0">
-          <a:noAutofit/>
-        </a:bodyPr>
-        <a:lstStyle/>
-        <a:p>
-          <a:pPr lvl="0" algn="l" defTabSz="1466850">
-            <a:lnSpc>
-              <a:spcPct val="90000"/>
-            </a:lnSpc>
-            <a:spcBef>
-              <a:spcPct val="0"/>
-            </a:spcBef>
-            <a:spcAft>
-              <a:spcPct val="35000"/>
-            </a:spcAft>
-          </a:pPr>
-          <a:r>
-            <a:rPr lang="sv-SE" sz="3300" kern="1200" dirty="0" smtClean="0"/>
-            <a:t>Sammanfattning &amp; Diskussion</a:t>
-          </a:r>
-        </a:p>
-      </dsp:txBody>
-      <dsp:txXfrm>
-        <a:off x="38638" y="3587675"/>
-        <a:ext cx="7433716" cy="714229"/>
-      </dsp:txXfrm>
-    </dsp:sp>
   </dsp:spTree>
 </dsp:drawing>
 </file>
@@ -13347,13 +12965,8 @@
           <a:p>
             <a:r>
               <a:rPr lang="sv-SE" dirty="0" smtClean="0"/>
-              <a:t>Saknas  vissa </a:t>
-            </a:r>
-            <a:r>
-              <a:rPr lang="sv-SE" dirty="0" smtClean="0"/>
-              <a:t>Index</a:t>
-            </a:r>
-            <a:endParaRPr lang="sv-SE" dirty="0" smtClean="0"/>
+              <a:t>Saknas  vissa Index</a:t>
+            </a:r>
           </a:p>
         </p:txBody>
       </p:sp>
@@ -13512,7 +13125,7 @@
           <a:graphicData uri="http://schemas.openxmlformats.org/presentationml/2006/ole">
             <mc:AlternateContent xmlns:mc="http://schemas.openxmlformats.org/markup-compatibility/2006">
               <mc:Choice xmlns:v="urn:schemas-microsoft-com:vml" Requires="v">
-                <p:oleObj spid="_x0000_s1039" name="Worksheet" r:id="rId4" imgW="2266740" imgH="3438731" progId="Excel.Sheet.12">
+                <p:oleObj spid="_x0000_s1041" name="Worksheet" r:id="rId4" imgW="2266740" imgH="3438731" progId="Excel.Sheet.12">
                   <p:embed/>
                 </p:oleObj>
               </mc:Choice>
@@ -13773,7 +13386,7 @@
           <a:graphicData uri="http://schemas.openxmlformats.org/presentationml/2006/ole">
             <mc:AlternateContent xmlns:mc="http://schemas.openxmlformats.org/markup-compatibility/2006">
               <mc:Choice xmlns:v="urn:schemas-microsoft-com:vml" Requires="v">
-                <p:oleObj spid="_x0000_s2062" name="Worksheet" r:id="rId4" imgW="4838859" imgH="1533319" progId="Excel.Sheet.12">
+                <p:oleObj spid="_x0000_s2064" name="Worksheet" r:id="rId4" imgW="4838859" imgH="1533319" progId="Excel.Sheet.12">
                   <p:embed/>
                 </p:oleObj>
               </mc:Choice>
@@ -15389,7 +15002,6 @@
               <a:rPr lang="sv-SE" dirty="0" smtClean="0"/>
               <a:t>Fortsatt arbete</a:t>
             </a:r>
-            <a:endParaRPr lang="sv-SE" dirty="0" smtClean="0"/>
           </a:p>
         </p:txBody>
       </p:sp>
@@ -15855,65 +15467,28 @@
             <p:ph type="title"/>
           </p:nvPr>
         </p:nvSpPr>
-        <p:spPr/>
-        <p:txBody>
-          <a:bodyPr/>
-          <a:lstStyle/>
-          <a:p>
-            <a:r>
-              <a:rPr lang="sv-SE" dirty="0" smtClean="0"/>
-              <a:t>Begränsningar</a:t>
-            </a:r>
-            <a:endParaRPr lang="sv-SE" dirty="0"/>
-          </a:p>
-        </p:txBody>
-      </p:sp>
-      <p:sp>
-        <p:nvSpPr>
-          <p:cNvPr id="3" name="Content Placeholder 2"/>
-          <p:cNvSpPr>
-            <a:spLocks noGrp="1"/>
-          </p:cNvSpPr>
-          <p:nvPr>
-            <p:ph idx="1"/>
-          </p:nvPr>
-        </p:nvSpPr>
         <p:spPr>
           <a:xfrm>
-            <a:off x="549275" y="2179983"/>
-            <a:ext cx="8042276" cy="3763618"/>
+            <a:off x="549275" y="1976133"/>
+            <a:ext cx="8042276" cy="1336956"/>
           </a:xfrm>
         </p:spPr>
         <p:txBody>
-          <a:bodyPr/>
+          <a:bodyPr anchor="ctr"/>
           <a:lstStyle/>
           <a:p>
             <a:r>
               <a:rPr lang="sv-SE" dirty="0" smtClean="0"/>
-              <a:t>Inte tillgång till BeX Online Back-end eller produktionsmiljö</a:t>
-            </a:r>
-          </a:p>
-          <a:p>
-            <a:r>
-              <a:rPr lang="sv-SE" dirty="0" smtClean="0"/>
-              <a:t>Fokus på systemets databas</a:t>
-            </a:r>
-          </a:p>
-          <a:p>
-            <a:r>
-              <a:rPr lang="sv-SE" dirty="0" smtClean="0"/>
-              <a:t>BeX Online huvudfunktionalitet får inte påverkas</a:t>
-            </a:r>
-          </a:p>
-          <a:p>
-            <a:endParaRPr lang="sv-SE" dirty="0" smtClean="0"/>
+              <a:t>Demo</a:t>
+            </a:r>
+            <a:endParaRPr lang="sv-SE" dirty="0"/>
           </a:p>
         </p:txBody>
       </p:sp>
     </p:spTree>
     <p:extLst>
       <p:ext uri="{BB962C8B-B14F-4D97-AF65-F5344CB8AC3E}">
-        <p14:creationId xmlns:p14="http://schemas.microsoft.com/office/powerpoint/2010/main" val="476424740"/>
+        <p14:creationId xmlns:p14="http://schemas.microsoft.com/office/powerpoint/2010/main" val="1250945000"/>
       </p:ext>
     </p:extLst>
   </p:cSld>
@@ -15957,28 +15532,65 @@
             <p:ph type="title"/>
           </p:nvPr>
         </p:nvSpPr>
+        <p:spPr/>
+        <p:txBody>
+          <a:bodyPr/>
+          <a:lstStyle/>
+          <a:p>
+            <a:r>
+              <a:rPr lang="sv-SE" dirty="0" smtClean="0"/>
+              <a:t>Begränsningar</a:t>
+            </a:r>
+            <a:endParaRPr lang="sv-SE" dirty="0"/>
+          </a:p>
+        </p:txBody>
+      </p:sp>
+      <p:sp>
+        <p:nvSpPr>
+          <p:cNvPr id="3" name="Content Placeholder 2"/>
+          <p:cNvSpPr>
+            <a:spLocks noGrp="1"/>
+          </p:cNvSpPr>
+          <p:nvPr>
+            <p:ph idx="1"/>
+          </p:nvPr>
+        </p:nvSpPr>
         <p:spPr>
           <a:xfrm>
-            <a:off x="549275" y="1976133"/>
-            <a:ext cx="8042276" cy="1336956"/>
+            <a:off x="549275" y="2179983"/>
+            <a:ext cx="8042276" cy="3763618"/>
           </a:xfrm>
         </p:spPr>
         <p:txBody>
-          <a:bodyPr anchor="ctr"/>
+          <a:bodyPr/>
           <a:lstStyle/>
           <a:p>
             <a:r>
               <a:rPr lang="sv-SE" dirty="0" smtClean="0"/>
-              <a:t>Demo</a:t>
-            </a:r>
-            <a:endParaRPr lang="sv-SE" dirty="0"/>
+              <a:t>Inte tillgång till BeX Online Back-end eller produktionsmiljö</a:t>
+            </a:r>
+          </a:p>
+          <a:p>
+            <a:r>
+              <a:rPr lang="sv-SE" dirty="0" smtClean="0"/>
+              <a:t>Fokus på systemets databas</a:t>
+            </a:r>
+          </a:p>
+          <a:p>
+            <a:r>
+              <a:rPr lang="sv-SE" dirty="0" smtClean="0"/>
+              <a:t>BeX Online huvudfunktionalitet får inte påverkas</a:t>
+            </a:r>
+          </a:p>
+          <a:p>
+            <a:endParaRPr lang="sv-SE" dirty="0" smtClean="0"/>
           </a:p>
         </p:txBody>
       </p:sp>
     </p:spTree>
     <p:extLst>
       <p:ext uri="{BB962C8B-B14F-4D97-AF65-F5344CB8AC3E}">
-        <p14:creationId xmlns:p14="http://schemas.microsoft.com/office/powerpoint/2010/main" val="1250945000"/>
+        <p14:creationId xmlns:p14="http://schemas.microsoft.com/office/powerpoint/2010/main" val="476424740"/>
       </p:ext>
     </p:extLst>
   </p:cSld>

--- a/Presentation/PresentationLTH.pptx
+++ b/Presentation/PresentationLTH.pptx
@@ -5,7 +5,7 @@
     <p:sldMasterId id="2147483697" r:id="rId1"/>
   </p:sldMasterIdLst>
   <p:notesMasterIdLst>
-    <p:notesMasterId r:id="rId27"/>
+    <p:notesMasterId r:id="rId26"/>
   </p:notesMasterIdLst>
   <p:sldIdLst>
     <p:sldId id="256" r:id="rId2"/>
@@ -23,16 +23,15 @@
     <p:sldId id="271" r:id="rId14"/>
     <p:sldId id="267" r:id="rId15"/>
     <p:sldId id="268" r:id="rId16"/>
-    <p:sldId id="273" r:id="rId17"/>
-    <p:sldId id="274" r:id="rId18"/>
-    <p:sldId id="275" r:id="rId19"/>
-    <p:sldId id="276" r:id="rId20"/>
-    <p:sldId id="277" r:id="rId21"/>
-    <p:sldId id="278" r:id="rId22"/>
-    <p:sldId id="279" r:id="rId23"/>
-    <p:sldId id="280" r:id="rId24"/>
-    <p:sldId id="282" r:id="rId25"/>
-    <p:sldId id="260" r:id="rId26"/>
+    <p:sldId id="274" r:id="rId17"/>
+    <p:sldId id="275" r:id="rId18"/>
+    <p:sldId id="276" r:id="rId19"/>
+    <p:sldId id="277" r:id="rId20"/>
+    <p:sldId id="278" r:id="rId21"/>
+    <p:sldId id="279" r:id="rId22"/>
+    <p:sldId id="280" r:id="rId23"/>
+    <p:sldId id="282" r:id="rId24"/>
+    <p:sldId id="260" r:id="rId25"/>
   </p:sldIdLst>
   <p:sldSz cx="9144000" cy="6858000" type="screen4x3"/>
   <p:notesSz cx="6858000" cy="9144000"/>
@@ -440,11 +439,11 @@
         </c:dLbls>
         <c:gapWidth val="219"/>
         <c:overlap val="-27"/>
-        <c:axId val="1921638976"/>
-        <c:axId val="1921643328"/>
+        <c:axId val="740200608"/>
+        <c:axId val="740207680"/>
       </c:barChart>
       <c:catAx>
-        <c:axId val="1921638976"/>
+        <c:axId val="740200608"/>
         <c:scaling>
           <c:orientation val="minMax"/>
         </c:scaling>
@@ -487,7 +486,7 @@
             <a:endParaRPr lang="sv-SE"/>
           </a:p>
         </c:txPr>
-        <c:crossAx val="1921643328"/>
+        <c:crossAx val="740207680"/>
         <c:crosses val="autoZero"/>
         <c:auto val="1"/>
         <c:lblAlgn val="ctr"/>
@@ -495,7 +494,7 @@
         <c:noMultiLvlLbl val="0"/>
       </c:catAx>
       <c:valAx>
-        <c:axId val="1921643328"/>
+        <c:axId val="740207680"/>
         <c:scaling>
           <c:orientation val="minMax"/>
         </c:scaling>
@@ -546,7 +545,7 @@
             <a:endParaRPr lang="sv-SE"/>
           </a:p>
         </c:txPr>
-        <c:crossAx val="1921638976"/>
+        <c:crossAx val="740200608"/>
         <c:crosses val="autoZero"/>
         <c:crossBetween val="between"/>
       </c:valAx>
@@ -1075,11 +1074,11 @@
         </c:dLbls>
         <c:gapWidth val="219"/>
         <c:overlap val="-27"/>
-        <c:axId val="1922999376"/>
-        <c:axId val="1923004816"/>
+        <c:axId val="1005001760"/>
+        <c:axId val="1005015360"/>
       </c:barChart>
       <c:catAx>
-        <c:axId val="1922999376"/>
+        <c:axId val="1005001760"/>
         <c:scaling>
           <c:orientation val="minMax"/>
         </c:scaling>
@@ -1122,7 +1121,7 @@
             <a:endParaRPr lang="sv-SE"/>
           </a:p>
         </c:txPr>
-        <c:crossAx val="1923004816"/>
+        <c:crossAx val="1005015360"/>
         <c:crosses val="autoZero"/>
         <c:auto val="1"/>
         <c:lblAlgn val="ctr"/>
@@ -1130,7 +1129,7 @@
         <c:noMultiLvlLbl val="0"/>
       </c:catAx>
       <c:valAx>
-        <c:axId val="1923004816"/>
+        <c:axId val="1005015360"/>
         <c:scaling>
           <c:orientation val="minMax"/>
         </c:scaling>
@@ -1176,6 +1175,7 @@
               </a:p>
             </c:rich>
           </c:tx>
+          <c:layout/>
           <c:overlay val="0"/>
           <c:spPr>
             <a:noFill/>
@@ -1236,7 +1236,7 @@
             <a:endParaRPr lang="sv-SE"/>
           </a:p>
         </c:txPr>
-        <c:crossAx val="1922999376"/>
+        <c:crossAx val="1005001760"/>
         <c:crosses val="autoZero"/>
         <c:crossBetween val="between"/>
       </c:valAx>
@@ -1252,6 +1252,7 @@
     </c:plotArea>
     <c:legend>
       <c:legendPos val="b"/>
+      <c:layout/>
       <c:overlay val="0"/>
       <c:spPr>
         <a:noFill/>
@@ -1818,11 +1819,11 @@
         </c:dLbls>
         <c:gapWidth val="444"/>
         <c:overlap val="-90"/>
-        <c:axId val="2011432160"/>
-        <c:axId val="2011419104"/>
+        <c:axId val="1005012640"/>
+        <c:axId val="1005011008"/>
       </c:barChart>
       <c:catAx>
-        <c:axId val="2011432160"/>
+        <c:axId val="1005012640"/>
         <c:scaling>
           <c:orientation val="minMax"/>
         </c:scaling>
@@ -1879,7 +1880,7 @@
             <a:endParaRPr lang="sv-SE"/>
           </a:p>
         </c:txPr>
-        <c:crossAx val="2011419104"/>
+        <c:crossAx val="1005011008"/>
         <c:crosses val="autoZero"/>
         <c:auto val="1"/>
         <c:lblAlgn val="ctr"/>
@@ -1887,7 +1888,7 @@
         <c:noMultiLvlLbl val="0"/>
       </c:catAx>
       <c:valAx>
-        <c:axId val="2011419104"/>
+        <c:axId val="1005011008"/>
         <c:scaling>
           <c:orientation val="minMax"/>
         </c:scaling>
@@ -1897,7 +1898,7 @@
         <c:majorTickMark val="none"/>
         <c:minorTickMark val="none"/>
         <c:tickLblPos val="nextTo"/>
-        <c:crossAx val="2011432160"/>
+        <c:crossAx val="1005012640"/>
         <c:crosses val="autoZero"/>
         <c:crossBetween val="between"/>
       </c:valAx>
@@ -2221,11 +2222,11 @@
         </c:dLbls>
         <c:gapWidth val="219"/>
         <c:overlap val="-27"/>
-        <c:axId val="2011419648"/>
-        <c:axId val="2011423456"/>
+        <c:axId val="1005014272"/>
+        <c:axId val="1005004480"/>
       </c:barChart>
       <c:catAx>
-        <c:axId val="2011419648"/>
+        <c:axId val="1005014272"/>
         <c:scaling>
           <c:orientation val="minMax"/>
         </c:scaling>
@@ -2268,7 +2269,7 @@
             <a:endParaRPr lang="sv-SE"/>
           </a:p>
         </c:txPr>
-        <c:crossAx val="2011423456"/>
+        <c:crossAx val="1005004480"/>
         <c:crosses val="autoZero"/>
         <c:auto val="1"/>
         <c:lblAlgn val="ctr"/>
@@ -2276,7 +2277,7 @@
         <c:noMultiLvlLbl val="0"/>
       </c:catAx>
       <c:valAx>
-        <c:axId val="2011423456"/>
+        <c:axId val="1005004480"/>
         <c:scaling>
           <c:orientation val="minMax"/>
         </c:scaling>
@@ -2327,7 +2328,7 @@
             <a:endParaRPr lang="sv-SE"/>
           </a:p>
         </c:txPr>
-        <c:crossAx val="2011419648"/>
+        <c:crossAx val="1005014272"/>
         <c:crosses val="autoZero"/>
         <c:crossBetween val="between"/>
       </c:valAx>
@@ -5693,8 +5694,8 @@
       </dsp:nvSpPr>
       <dsp:spPr>
         <a:xfrm>
-          <a:off x="0" y="2857"/>
-          <a:ext cx="7510992" cy="791505"/>
+          <a:off x="0" y="51119"/>
+          <a:ext cx="7510992" cy="772200"/>
         </a:xfrm>
         <a:prstGeom prst="roundRect">
           <a:avLst/>
@@ -5759,8 +5760,8 @@
         </a:p>
       </dsp:txBody>
       <dsp:txXfrm>
-        <a:off x="38638" y="41495"/>
-        <a:ext cx="7433716" cy="714229"/>
+        <a:off x="37696" y="88815"/>
+        <a:ext cx="7435600" cy="696808"/>
       </dsp:txXfrm>
     </dsp:sp>
     <dsp:sp modelId="{633254C2-92B3-9A40-BE01-4A07BA6FD729}">
@@ -5770,8 +5771,8 @@
       </dsp:nvSpPr>
       <dsp:spPr>
         <a:xfrm>
-          <a:off x="0" y="889402"/>
-          <a:ext cx="7510992" cy="791505"/>
+          <a:off x="0" y="918360"/>
+          <a:ext cx="7510992" cy="772200"/>
         </a:xfrm>
         <a:prstGeom prst="roundRect">
           <a:avLst/>
@@ -5836,8 +5837,8 @@
         </a:p>
       </dsp:txBody>
       <dsp:txXfrm>
-        <a:off x="38638" y="928040"/>
-        <a:ext cx="7433716" cy="714229"/>
+        <a:off x="37696" y="956056"/>
+        <a:ext cx="7435600" cy="696808"/>
       </dsp:txXfrm>
     </dsp:sp>
     <dsp:sp modelId="{0C703321-1228-8B4C-9D1F-354E3CECCA1D}">
@@ -5847,8 +5848,8 @@
       </dsp:nvSpPr>
       <dsp:spPr>
         <a:xfrm>
-          <a:off x="0" y="1775947"/>
-          <a:ext cx="7510992" cy="791505"/>
+          <a:off x="0" y="1785600"/>
+          <a:ext cx="7510992" cy="772200"/>
         </a:xfrm>
         <a:prstGeom prst="roundRect">
           <a:avLst/>
@@ -5912,8 +5913,8 @@
         </a:p>
       </dsp:txBody>
       <dsp:txXfrm>
-        <a:off x="38638" y="1814585"/>
-        <a:ext cx="7433716" cy="714229"/>
+        <a:off x="37696" y="1823296"/>
+        <a:ext cx="7435600" cy="696808"/>
       </dsp:txXfrm>
     </dsp:sp>
     <dsp:sp modelId="{642E1836-6173-6047-A06B-782D4D50664F}">
@@ -5923,8 +5924,8 @@
       </dsp:nvSpPr>
       <dsp:spPr>
         <a:xfrm>
-          <a:off x="0" y="2662492"/>
-          <a:ext cx="7510992" cy="791505"/>
+          <a:off x="0" y="2652840"/>
+          <a:ext cx="7510992" cy="772200"/>
         </a:xfrm>
         <a:prstGeom prst="roundRect">
           <a:avLst/>
@@ -5988,8 +5989,8 @@
         </a:p>
       </dsp:txBody>
       <dsp:txXfrm>
-        <a:off x="38638" y="2701130"/>
-        <a:ext cx="7433716" cy="714229"/>
+        <a:off x="37696" y="2690536"/>
+        <a:ext cx="7435600" cy="696808"/>
       </dsp:txXfrm>
     </dsp:sp>
     <dsp:sp modelId="{EBC1C9F8-4796-5D44-B4AB-EF8C241C9E1C}">
@@ -5999,8 +6000,8 @@
       </dsp:nvSpPr>
       <dsp:spPr>
         <a:xfrm>
-          <a:off x="0" y="3549037"/>
-          <a:ext cx="7510992" cy="791505"/>
+          <a:off x="0" y="3520080"/>
+          <a:ext cx="7510992" cy="772200"/>
         </a:xfrm>
         <a:prstGeom prst="roundRect">
           <a:avLst/>
@@ -6064,8 +6065,8 @@
         </a:p>
       </dsp:txBody>
       <dsp:txXfrm>
-        <a:off x="38638" y="3587675"/>
-        <a:ext cx="7433716" cy="714229"/>
+        <a:off x="37696" y="3557776"/>
+        <a:ext cx="7435600" cy="696808"/>
       </dsp:txXfrm>
     </dsp:sp>
   </dsp:spTree>
@@ -7780,7 +7781,7 @@
           <a:p>
             <a:fld id="{25E12B60-3074-6E4A-AF19-E324BD5DB800}" type="slidenum">
               <a:rPr lang="en-US" smtClean="0"/>
-              <a:t>25</a:t>
+              <a:t>24</a:t>
             </a:fld>
             <a:endParaRPr lang="en-US"/>
           </a:p>
@@ -8372,7 +8373,7 @@
           <a:p>
             <a:fld id="{25E12B60-3074-6E4A-AF19-E324BD5DB800}" type="slidenum">
               <a:rPr lang="en-US" smtClean="0"/>
-              <a:t>17</a:t>
+              <a:t>16</a:t>
             </a:fld>
             <a:endParaRPr lang="en-US"/>
           </a:p>
@@ -8456,7 +8457,7 @@
           <a:p>
             <a:fld id="{25E12B60-3074-6E4A-AF19-E324BD5DB800}" type="slidenum">
               <a:rPr lang="en-US" smtClean="0"/>
-              <a:t>19</a:t>
+              <a:t>18</a:t>
             </a:fld>
             <a:endParaRPr lang="en-US"/>
           </a:p>
@@ -12548,6 +12549,13 @@
   <p:clrMapOvr>
     <a:masterClrMapping/>
   </p:clrMapOvr>
+  <p:timing>
+    <p:tnLst>
+      <p:par>
+        <p:cTn id="1" dur="indefinite" restart="never" nodeType="tmRoot"/>
+      </p:par>
+    </p:tnLst>
+  </p:timing>
 </p:sld>
 </file>
 
@@ -12647,7 +12655,7 @@
         </p:spPr>
         <p:txBody>
           <a:bodyPr>
-            <a:normAutofit fontScale="92500"/>
+            <a:normAutofit fontScale="85000" lnSpcReduction="10000"/>
           </a:bodyPr>
           <a:lstStyle/>
           <a:p>
@@ -13347,13 +13355,8 @@
           <a:p>
             <a:r>
               <a:rPr lang="sv-SE" dirty="0" smtClean="0"/>
-              <a:t>Saknas  vissa </a:t>
-            </a:r>
-            <a:r>
-              <a:rPr lang="sv-SE" dirty="0" smtClean="0"/>
-              <a:t>Index</a:t>
-            </a:r>
-            <a:endParaRPr lang="sv-SE" dirty="0" smtClean="0"/>
+              <a:t>Saknas  vissa Index</a:t>
+            </a:r>
           </a:p>
         </p:txBody>
       </p:sp>
@@ -13512,7 +13515,7 @@
           <a:graphicData uri="http://schemas.openxmlformats.org/presentationml/2006/ole">
             <mc:AlternateContent xmlns:mc="http://schemas.openxmlformats.org/markup-compatibility/2006">
               <mc:Choice xmlns:v="urn:schemas-microsoft-com:vml" Requires="v">
-                <p:oleObj spid="_x0000_s1039" name="Worksheet" r:id="rId4" imgW="2266740" imgH="3438731" progId="Excel.Sheet.12">
+                <p:oleObj spid="_x0000_s1041" name="Worksheet" r:id="rId4" imgW="2266740" imgH="3438731" progId="Excel.Sheet.12">
                   <p:embed/>
                 </p:oleObj>
               </mc:Choice>
@@ -13631,108 +13634,6 @@
           <a:p>
             <a:r>
               <a:rPr lang="sv-SE" dirty="0" smtClean="0"/>
-              <a:t>Bryta ner </a:t>
-            </a:r>
-            <a:r>
-              <a:rPr lang="sv-SE" dirty="0" err="1" smtClean="0"/>
-              <a:t>Stored</a:t>
-            </a:r>
-            <a:r>
-              <a:rPr lang="sv-SE" dirty="0" smtClean="0"/>
-              <a:t> </a:t>
-            </a:r>
-            <a:r>
-              <a:rPr lang="sv-SE" dirty="0" err="1" smtClean="0"/>
-              <a:t>Procedures</a:t>
-            </a:r>
-            <a:endParaRPr lang="sv-SE" dirty="0"/>
-          </a:p>
-        </p:txBody>
-      </p:sp>
-      <p:pic>
-        <p:nvPicPr>
-          <p:cNvPr id="4" name="Picture 3"/>
-          <p:cNvPicPr>
-            <a:picLocks noChangeAspect="1"/>
-          </p:cNvPicPr>
-          <p:nvPr/>
-        </p:nvPicPr>
-        <p:blipFill>
-          <a:blip r:embed="rId2">
-            <a:extLst>
-              <a:ext uri="{28A0092B-C50C-407E-A947-70E740481C1C}">
-                <a14:useLocalDpi xmlns:a14="http://schemas.microsoft.com/office/drawing/2010/main" val="0"/>
-              </a:ext>
-            </a:extLst>
-          </a:blip>
-          <a:stretch>
-            <a:fillRect/>
-          </a:stretch>
-        </p:blipFill>
-        <p:spPr>
-          <a:xfrm>
-            <a:off x="3504291" y="1338470"/>
-            <a:ext cx="2023847" cy="5353878"/>
-          </a:xfrm>
-          <a:prstGeom prst="rect">
-            <a:avLst/>
-          </a:prstGeom>
-        </p:spPr>
-      </p:pic>
-    </p:spTree>
-    <p:extLst>
-      <p:ext uri="{BB962C8B-B14F-4D97-AF65-F5344CB8AC3E}">
-        <p14:creationId xmlns:p14="http://schemas.microsoft.com/office/powerpoint/2010/main" val="235130621"/>
-      </p:ext>
-    </p:extLst>
-  </p:cSld>
-  <p:clrMapOvr>
-    <a:masterClrMapping/>
-  </p:clrMapOvr>
-  <p:timing>
-    <p:tnLst>
-      <p:par>
-        <p:cTn id="1" dur="indefinite" restart="never" nodeType="tmRoot"/>
-      </p:par>
-    </p:tnLst>
-  </p:timing>
-</p:sld>
-</file>
-
-<file path=ppt/slides/slide17.xml><?xml version="1.0" encoding="utf-8"?>
-<p:sld xmlns:a="http://schemas.openxmlformats.org/drawingml/2006/main" xmlns:r="http://schemas.openxmlformats.org/officeDocument/2006/relationships" xmlns:p="http://schemas.openxmlformats.org/presentationml/2006/main">
-  <p:cSld>
-    <p:spTree>
-      <p:nvGrpSpPr>
-        <p:cNvPr id="1" name=""/>
-        <p:cNvGrpSpPr/>
-        <p:nvPr/>
-      </p:nvGrpSpPr>
-      <p:grpSpPr>
-        <a:xfrm>
-          <a:off x="0" y="0"/>
-          <a:ext cx="0" cy="0"/>
-          <a:chOff x="0" y="0"/>
-          <a:chExt cx="0" cy="0"/>
-        </a:xfrm>
-      </p:grpSpPr>
-      <p:sp>
-        <p:nvSpPr>
-          <p:cNvPr id="2" name="Title 1"/>
-          <p:cNvSpPr>
-            <a:spLocks noGrp="1"/>
-          </p:cNvSpPr>
-          <p:nvPr>
-            <p:ph type="title"/>
-          </p:nvPr>
-        </p:nvSpPr>
-        <p:spPr/>
-        <p:txBody>
-          <a:bodyPr/>
-          <a:lstStyle/>
-          <a:p>
-            <a:r>
-              <a:rPr lang="sv-SE" dirty="0" smtClean="0"/>
               <a:t>Bryta ned </a:t>
             </a:r>
             <a:r>
@@ -13773,7 +13674,7 @@
           <a:graphicData uri="http://schemas.openxmlformats.org/presentationml/2006/ole">
             <mc:AlternateContent xmlns:mc="http://schemas.openxmlformats.org/markup-compatibility/2006">
               <mc:Choice xmlns:v="urn:schemas-microsoft-com:vml" Requires="v">
-                <p:oleObj spid="_x0000_s2062" name="Worksheet" r:id="rId4" imgW="4838859" imgH="1533319" progId="Excel.Sheet.12">
+                <p:oleObj spid="_x0000_s2064" name="Worksheet" r:id="rId4" imgW="4838859" imgH="1533319" progId="Excel.Sheet.12">
                   <p:embed/>
                 </p:oleObj>
               </mc:Choice>
@@ -13855,7 +13756,7 @@
 </p:sld>
 </file>
 
-<file path=ppt/slides/slide18.xml><?xml version="1.0" encoding="utf-8"?>
+<file path=ppt/slides/slide17.xml><?xml version="1.0" encoding="utf-8"?>
 <p:sld xmlns:a="http://schemas.openxmlformats.org/drawingml/2006/main" xmlns:r="http://schemas.openxmlformats.org/officeDocument/2006/relationships" xmlns:p="http://schemas.openxmlformats.org/presentationml/2006/main">
   <p:cSld>
     <p:spTree>
@@ -13887,6 +13788,7 @@
           <a:bodyPr/>
           <a:lstStyle/>
           <a:p>
+            <a:pPr algn="l"/>
             <a:r>
               <a:rPr lang="sv-SE" dirty="0" smtClean="0"/>
               <a:t>Var ligger flaskhalsen?</a:t>
@@ -13904,13 +13806,13 @@
           <p:nvPr>
             <p:extLst>
               <p:ext uri="{D42A27DB-BD31-4B8C-83A1-F6EECF244321}">
-                <p14:modId xmlns:p14="http://schemas.microsoft.com/office/powerpoint/2010/main" val="3753039728"/>
+                <p14:modId xmlns:p14="http://schemas.microsoft.com/office/powerpoint/2010/main" val="34520382"/>
               </p:ext>
             </p:extLst>
           </p:nvPr>
         </p:nvGraphicFramePr>
         <p:xfrm>
-          <a:off x="1464365" y="2258392"/>
+          <a:off x="273920" y="2258392"/>
           <a:ext cx="6096000" cy="2764184"/>
         </p:xfrm>
         <a:graphic>
@@ -14538,6 +14440,36 @@
           </a:graphicData>
         </a:graphic>
       </p:graphicFrame>
+      <p:pic>
+        <p:nvPicPr>
+          <p:cNvPr id="5" name="Picture 4"/>
+          <p:cNvPicPr>
+            <a:picLocks noChangeAspect="1"/>
+          </p:cNvPicPr>
+          <p:nvPr/>
+        </p:nvPicPr>
+        <p:blipFill>
+          <a:blip r:embed="rId2">
+            <a:extLst>
+              <a:ext uri="{28A0092B-C50C-407E-A947-70E740481C1C}">
+                <a14:useLocalDpi xmlns:a14="http://schemas.microsoft.com/office/drawing/2010/main" val="0"/>
+              </a:ext>
+            </a:extLst>
+          </a:blip>
+          <a:stretch>
+            <a:fillRect/>
+          </a:stretch>
+        </p:blipFill>
+        <p:spPr>
+          <a:xfrm>
+            <a:off x="6866626" y="104321"/>
+            <a:ext cx="2146583" cy="6624283"/>
+          </a:xfrm>
+          <a:prstGeom prst="rect">
+            <a:avLst/>
+          </a:prstGeom>
+        </p:spPr>
+      </p:pic>
     </p:spTree>
     <p:extLst>
       <p:ext uri="{BB962C8B-B14F-4D97-AF65-F5344CB8AC3E}">
@@ -14558,7 +14490,7 @@
 </p:sld>
 </file>
 
-<file path=ppt/slides/slide19.xml><?xml version="1.0" encoding="utf-8"?>
+<file path=ppt/slides/slide18.xml><?xml version="1.0" encoding="utf-8"?>
 <p:sld xmlns:a="http://schemas.openxmlformats.org/drawingml/2006/main" xmlns:r="http://schemas.openxmlformats.org/officeDocument/2006/relationships" xmlns:p="http://schemas.openxmlformats.org/presentationml/2006/main">
   <p:cSld>
     <p:spTree>
@@ -14708,93 +14640,7 @@
 </p:sld>
 </file>
 
-<file path=ppt/slides/slide2.xml><?xml version="1.0" encoding="utf-8"?>
-<p:sld xmlns:a="http://schemas.openxmlformats.org/drawingml/2006/main" xmlns:r="http://schemas.openxmlformats.org/officeDocument/2006/relationships" xmlns:p="http://schemas.openxmlformats.org/presentationml/2006/main">
-  <p:cSld>
-    <p:spTree>
-      <p:nvGrpSpPr>
-        <p:cNvPr id="1" name=""/>
-        <p:cNvGrpSpPr/>
-        <p:nvPr/>
-      </p:nvGrpSpPr>
-      <p:grpSpPr>
-        <a:xfrm>
-          <a:off x="0" y="0"/>
-          <a:ext cx="0" cy="0"/>
-          <a:chOff x="0" y="0"/>
-          <a:chExt cx="0" cy="0"/>
-        </a:xfrm>
-      </p:grpSpPr>
-      <p:sp>
-        <p:nvSpPr>
-          <p:cNvPr id="2" name="Title 1"/>
-          <p:cNvSpPr>
-            <a:spLocks noGrp="1"/>
-          </p:cNvSpPr>
-          <p:nvPr>
-            <p:ph type="title"/>
-          </p:nvPr>
-        </p:nvSpPr>
-        <p:spPr/>
-        <p:txBody>
-          <a:bodyPr/>
-          <a:lstStyle/>
-          <a:p>
-            <a:pPr algn="l"/>
-            <a:r>
-              <a:rPr lang="en-US" dirty="0" smtClean="0"/>
-              <a:t>Agenda</a:t>
-            </a:r>
-            <a:endParaRPr lang="en-US" dirty="0"/>
-          </a:p>
-        </p:txBody>
-      </p:sp>
-      <p:graphicFrame>
-        <p:nvGraphicFramePr>
-          <p:cNvPr id="3" name="Content Placeholder 2"/>
-          <p:cNvGraphicFramePr>
-            <a:graphicFrameLocks noGrp="1"/>
-          </p:cNvGraphicFramePr>
-          <p:nvPr>
-            <p:ph idx="1"/>
-            <p:extLst>
-              <p:ext uri="{D42A27DB-BD31-4B8C-83A1-F6EECF244321}">
-                <p14:modId xmlns:p14="http://schemas.microsoft.com/office/powerpoint/2010/main" val="1108252090"/>
-              </p:ext>
-            </p:extLst>
-          </p:nvPr>
-        </p:nvGraphicFramePr>
-        <p:xfrm>
-          <a:off x="549275" y="1600201"/>
-          <a:ext cx="7510992" cy="4343400"/>
-        </p:xfrm>
-        <a:graphic>
-          <a:graphicData uri="http://schemas.openxmlformats.org/drawingml/2006/diagram">
-            <dgm:relIds xmlns:dgm="http://schemas.openxmlformats.org/drawingml/2006/diagram" xmlns:r="http://schemas.openxmlformats.org/officeDocument/2006/relationships" r:dm="rId3" r:lo="rId4" r:qs="rId5" r:cs="rId6"/>
-          </a:graphicData>
-        </a:graphic>
-      </p:graphicFrame>
-    </p:spTree>
-    <p:extLst>
-      <p:ext uri="{BB962C8B-B14F-4D97-AF65-F5344CB8AC3E}">
-        <p14:creationId xmlns:p14="http://schemas.microsoft.com/office/powerpoint/2010/main" val="1086109709"/>
-      </p:ext>
-    </p:extLst>
-  </p:cSld>
-  <p:clrMapOvr>
-    <a:masterClrMapping/>
-  </p:clrMapOvr>
-  <p:timing>
-    <p:tnLst>
-      <p:par>
-        <p:cTn id="1" dur="indefinite" restart="never" nodeType="tmRoot"/>
-      </p:par>
-    </p:tnLst>
-  </p:timing>
-</p:sld>
-</file>
-
-<file path=ppt/slides/slide20.xml><?xml version="1.0" encoding="utf-8"?>
+<file path=ppt/slides/slide19.xml><?xml version="1.0" encoding="utf-8"?>
 <p:sld xmlns:a="http://schemas.openxmlformats.org/drawingml/2006/main" xmlns:r="http://schemas.openxmlformats.org/officeDocument/2006/relationships" xmlns:p="http://schemas.openxmlformats.org/presentationml/2006/main">
   <p:cSld>
     <p:spTree>
@@ -14944,6 +14790,255 @@
 </p:sld>
 </file>
 
+<file path=ppt/slides/slide2.xml><?xml version="1.0" encoding="utf-8"?>
+<p:sld xmlns:a="http://schemas.openxmlformats.org/drawingml/2006/main" xmlns:r="http://schemas.openxmlformats.org/officeDocument/2006/relationships" xmlns:p="http://schemas.openxmlformats.org/presentationml/2006/main">
+  <p:cSld>
+    <p:spTree>
+      <p:nvGrpSpPr>
+        <p:cNvPr id="1" name=""/>
+        <p:cNvGrpSpPr/>
+        <p:nvPr/>
+      </p:nvGrpSpPr>
+      <p:grpSpPr>
+        <a:xfrm>
+          <a:off x="0" y="0"/>
+          <a:ext cx="0" cy="0"/>
+          <a:chOff x="0" y="0"/>
+          <a:chExt cx="0" cy="0"/>
+        </a:xfrm>
+      </p:grpSpPr>
+      <p:sp>
+        <p:nvSpPr>
+          <p:cNvPr id="2" name="Title 1"/>
+          <p:cNvSpPr>
+            <a:spLocks noGrp="1"/>
+          </p:cNvSpPr>
+          <p:nvPr>
+            <p:ph type="title"/>
+          </p:nvPr>
+        </p:nvSpPr>
+        <p:spPr/>
+        <p:txBody>
+          <a:bodyPr/>
+          <a:lstStyle/>
+          <a:p>
+            <a:pPr algn="l"/>
+            <a:r>
+              <a:rPr lang="en-US" dirty="0" smtClean="0"/>
+              <a:t>Agenda</a:t>
+            </a:r>
+            <a:endParaRPr lang="en-US" dirty="0"/>
+          </a:p>
+        </p:txBody>
+      </p:sp>
+      <p:graphicFrame>
+        <p:nvGraphicFramePr>
+          <p:cNvPr id="3" name="Content Placeholder 2"/>
+          <p:cNvGraphicFramePr>
+            <a:graphicFrameLocks noGrp="1"/>
+          </p:cNvGraphicFramePr>
+          <p:nvPr>
+            <p:ph idx="1"/>
+            <p:extLst>
+              <p:ext uri="{D42A27DB-BD31-4B8C-83A1-F6EECF244321}">
+                <p14:modId xmlns:p14="http://schemas.microsoft.com/office/powerpoint/2010/main" val="1108252090"/>
+              </p:ext>
+            </p:extLst>
+          </p:nvPr>
+        </p:nvGraphicFramePr>
+        <p:xfrm>
+          <a:off x="549275" y="1600201"/>
+          <a:ext cx="7510992" cy="4343400"/>
+        </p:xfrm>
+        <a:graphic>
+          <a:graphicData uri="http://schemas.openxmlformats.org/drawingml/2006/diagram">
+            <dgm:relIds xmlns:dgm="http://schemas.openxmlformats.org/drawingml/2006/diagram" xmlns:r="http://schemas.openxmlformats.org/officeDocument/2006/relationships" r:dm="rId3" r:lo="rId4" r:qs="rId5" r:cs="rId6"/>
+          </a:graphicData>
+        </a:graphic>
+      </p:graphicFrame>
+    </p:spTree>
+    <p:extLst>
+      <p:ext uri="{BB962C8B-B14F-4D97-AF65-F5344CB8AC3E}">
+        <p14:creationId xmlns:p14="http://schemas.microsoft.com/office/powerpoint/2010/main" val="1086109709"/>
+      </p:ext>
+    </p:extLst>
+  </p:cSld>
+  <p:clrMapOvr>
+    <a:masterClrMapping/>
+  </p:clrMapOvr>
+  <p:timing>
+    <p:tnLst>
+      <p:par>
+        <p:cTn id="1" dur="indefinite" restart="never" nodeType="tmRoot"/>
+      </p:par>
+    </p:tnLst>
+  </p:timing>
+</p:sld>
+</file>
+
+<file path=ppt/slides/slide20.xml><?xml version="1.0" encoding="utf-8"?>
+<p:sld xmlns:a="http://schemas.openxmlformats.org/drawingml/2006/main" xmlns:r="http://schemas.openxmlformats.org/officeDocument/2006/relationships" xmlns:p="http://schemas.openxmlformats.org/presentationml/2006/main">
+  <p:cSld>
+    <p:spTree>
+      <p:nvGrpSpPr>
+        <p:cNvPr id="1" name=""/>
+        <p:cNvGrpSpPr/>
+        <p:nvPr/>
+      </p:nvGrpSpPr>
+      <p:grpSpPr>
+        <a:xfrm>
+          <a:off x="0" y="0"/>
+          <a:ext cx="0" cy="0"/>
+          <a:chOff x="0" y="0"/>
+          <a:chExt cx="0" cy="0"/>
+        </a:xfrm>
+      </p:grpSpPr>
+      <p:sp>
+        <p:nvSpPr>
+          <p:cNvPr id="2" name="Title 1"/>
+          <p:cNvSpPr>
+            <a:spLocks noGrp="1"/>
+          </p:cNvSpPr>
+          <p:nvPr>
+            <p:ph type="title"/>
+          </p:nvPr>
+        </p:nvSpPr>
+        <p:spPr/>
+        <p:txBody>
+          <a:bodyPr/>
+          <a:lstStyle/>
+          <a:p>
+            <a:r>
+              <a:rPr lang="sv-SE" dirty="0" err="1" smtClean="0"/>
+              <a:t>Maintenance</a:t>
+            </a:r>
+            <a:endParaRPr lang="sv-SE" dirty="0"/>
+          </a:p>
+        </p:txBody>
+      </p:sp>
+      <p:sp>
+        <p:nvSpPr>
+          <p:cNvPr id="3" name="Content Placeholder 2"/>
+          <p:cNvSpPr>
+            <a:spLocks noGrp="1"/>
+          </p:cNvSpPr>
+          <p:nvPr>
+            <p:ph idx="1"/>
+          </p:nvPr>
+        </p:nvSpPr>
+        <p:spPr/>
+        <p:txBody>
+          <a:bodyPr/>
+          <a:lstStyle/>
+          <a:p>
+            <a:r>
+              <a:rPr lang="sv-SE" dirty="0" smtClean="0"/>
+              <a:t>En bra </a:t>
+            </a:r>
+            <a:r>
+              <a:rPr lang="sv-SE" dirty="0" err="1" smtClean="0"/>
+              <a:t>maintenance</a:t>
+            </a:r>
+            <a:r>
+              <a:rPr lang="sv-SE" dirty="0" smtClean="0"/>
+              <a:t> plan innehåller:</a:t>
+            </a:r>
+          </a:p>
+          <a:p>
+            <a:pPr lvl="1"/>
+            <a:r>
+              <a:rPr lang="sv-SE" dirty="0" smtClean="0"/>
+              <a:t>Data and Log </a:t>
+            </a:r>
+            <a:r>
+              <a:rPr lang="sv-SE" dirty="0" err="1" smtClean="0"/>
+              <a:t>file</a:t>
+            </a:r>
+            <a:r>
+              <a:rPr lang="sv-SE" dirty="0" smtClean="0"/>
+              <a:t> management</a:t>
+            </a:r>
+          </a:p>
+          <a:p>
+            <a:pPr lvl="1"/>
+            <a:r>
+              <a:rPr lang="sv-SE" dirty="0" smtClean="0"/>
+              <a:t>Index management</a:t>
+            </a:r>
+          </a:p>
+          <a:p>
+            <a:pPr lvl="1"/>
+            <a:r>
+              <a:rPr lang="sv-SE" dirty="0" err="1" smtClean="0"/>
+              <a:t>Statistics</a:t>
+            </a:r>
+            <a:r>
+              <a:rPr lang="sv-SE" dirty="0" smtClean="0"/>
+              <a:t> management</a:t>
+            </a:r>
+          </a:p>
+          <a:p>
+            <a:r>
+              <a:rPr lang="sv-SE" dirty="0" smtClean="0"/>
+              <a:t>Ola Hallengren</a:t>
+            </a:r>
+          </a:p>
+          <a:p>
+            <a:pPr lvl="1"/>
+            <a:r>
+              <a:rPr lang="sv-SE" dirty="0" smtClean="0"/>
+              <a:t>Microsoft MVP</a:t>
+            </a:r>
+          </a:p>
+          <a:p>
+            <a:pPr lvl="1"/>
+            <a:r>
+              <a:rPr lang="sv-SE" dirty="0" smtClean="0"/>
+              <a:t>Flera </a:t>
+            </a:r>
+            <a:r>
+              <a:rPr lang="sv-SE" dirty="0" err="1" smtClean="0"/>
+              <a:t>Community’s</a:t>
+            </a:r>
+            <a:r>
+              <a:rPr lang="sv-SE" dirty="0" smtClean="0"/>
+              <a:t> choice </a:t>
+            </a:r>
+            <a:r>
+              <a:rPr lang="sv-SE" dirty="0" err="1" smtClean="0"/>
+              <a:t>awards</a:t>
+            </a:r>
+            <a:endParaRPr lang="sv-SE" dirty="0" smtClean="0"/>
+          </a:p>
+          <a:p>
+            <a:pPr lvl="1"/>
+            <a:r>
+              <a:rPr lang="sv-SE" dirty="0" smtClean="0"/>
+              <a:t>Heltäckande, lättinstallerade script</a:t>
+            </a:r>
+          </a:p>
+        </p:txBody>
+      </p:sp>
+    </p:spTree>
+    <p:extLst>
+      <p:ext uri="{BB962C8B-B14F-4D97-AF65-F5344CB8AC3E}">
+        <p14:creationId xmlns:p14="http://schemas.microsoft.com/office/powerpoint/2010/main" val="2881293310"/>
+      </p:ext>
+    </p:extLst>
+  </p:cSld>
+  <p:clrMapOvr>
+    <a:masterClrMapping/>
+  </p:clrMapOvr>
+  <p:timing>
+    <p:tnLst>
+      <p:par>
+        <p:cTn id="1" dur="indefinite" restart="never" nodeType="tmRoot"/>
+      </p:par>
+    </p:tnLst>
+  </p:timing>
+</p:sld>
+</file>
+
 <file path=ppt/slides/slide21.xml><?xml version="1.0" encoding="utf-8"?>
 <p:sld xmlns:a="http://schemas.openxmlformats.org/drawingml/2006/main" xmlns:r="http://schemas.openxmlformats.org/officeDocument/2006/relationships" xmlns:p="http://schemas.openxmlformats.org/presentationml/2006/main">
   <p:cSld>
@@ -15001,96 +15096,40 @@
           <a:p>
             <a:r>
               <a:rPr lang="sv-SE" dirty="0" smtClean="0"/>
-              <a:t>En bra </a:t>
-            </a:r>
-            <a:r>
-              <a:rPr lang="sv-SE" dirty="0" err="1" smtClean="0"/>
-              <a:t>maintenance</a:t>
-            </a:r>
-            <a:r>
-              <a:rPr lang="sv-SE" dirty="0" smtClean="0"/>
-              <a:t> plan innehåller:</a:t>
-            </a:r>
-          </a:p>
-          <a:p>
-            <a:pPr lvl="1"/>
-            <a:r>
-              <a:rPr lang="sv-SE" dirty="0" smtClean="0"/>
-              <a:t>Data and Log </a:t>
-            </a:r>
-            <a:r>
-              <a:rPr lang="sv-SE" dirty="0" err="1" smtClean="0"/>
-              <a:t>file</a:t>
-            </a:r>
-            <a:r>
-              <a:rPr lang="sv-SE" dirty="0" smtClean="0"/>
-              <a:t> management</a:t>
-            </a:r>
-          </a:p>
-          <a:p>
-            <a:pPr lvl="1"/>
-            <a:r>
-              <a:rPr lang="sv-SE" dirty="0" smtClean="0"/>
-              <a:t>Index management</a:t>
-            </a:r>
-          </a:p>
-          <a:p>
-            <a:pPr lvl="1"/>
-            <a:r>
-              <a:rPr lang="sv-SE" dirty="0" err="1" smtClean="0"/>
-              <a:t>Statistics</a:t>
-            </a:r>
-            <a:r>
-              <a:rPr lang="sv-SE" dirty="0" smtClean="0"/>
-              <a:t> management</a:t>
-            </a:r>
-          </a:p>
-          <a:p>
-            <a:r>
-              <a:rPr lang="sv-SE" dirty="0" smtClean="0"/>
-              <a:t>Ola Hallengren</a:t>
-            </a:r>
-          </a:p>
-          <a:p>
-            <a:pPr lvl="1"/>
-            <a:r>
-              <a:rPr lang="sv-SE" dirty="0" smtClean="0"/>
-              <a:t>Microsoft MVP</a:t>
-            </a:r>
-          </a:p>
-          <a:p>
-            <a:pPr lvl="1"/>
-            <a:r>
-              <a:rPr lang="sv-SE" dirty="0" smtClean="0"/>
-              <a:t>Flera </a:t>
-            </a:r>
-            <a:r>
-              <a:rPr lang="sv-SE" dirty="0" err="1" smtClean="0"/>
-              <a:t>Community’s</a:t>
-            </a:r>
-            <a:r>
-              <a:rPr lang="sv-SE" dirty="0" smtClean="0"/>
-              <a:t> choice </a:t>
-            </a:r>
-            <a:r>
-              <a:rPr lang="sv-SE" dirty="0" err="1" smtClean="0"/>
-              <a:t>awards</a:t>
-            </a:r>
-            <a:endParaRPr lang="sv-SE" dirty="0" smtClean="0"/>
-          </a:p>
-          <a:p>
-            <a:pPr lvl="1"/>
-            <a:r>
-              <a:rPr lang="sv-SE" dirty="0" smtClean="0"/>
-              <a:t>Heltäckande, lättinstallerade script</a:t>
-            </a:r>
+              <a:t>Resultat av körning</a:t>
+            </a:r>
+            <a:endParaRPr lang="sv-SE" dirty="0"/>
           </a:p>
         </p:txBody>
       </p:sp>
+      <p:graphicFrame>
+        <p:nvGraphicFramePr>
+          <p:cNvPr id="4" name="Chart 3"/>
+          <p:cNvGraphicFramePr>
+            <a:graphicFrameLocks/>
+          </p:cNvGraphicFramePr>
+          <p:nvPr>
+            <p:extLst>
+              <p:ext uri="{D42A27DB-BD31-4B8C-83A1-F6EECF244321}">
+                <p14:modId xmlns:p14="http://schemas.microsoft.com/office/powerpoint/2010/main" val="3112678074"/>
+              </p:ext>
+            </p:extLst>
+          </p:nvPr>
+        </p:nvGraphicFramePr>
+        <p:xfrm>
+          <a:off x="1231762" y="2173357"/>
+          <a:ext cx="6361734" cy="4136437"/>
+        </p:xfrm>
+        <a:graphic>
+          <a:graphicData uri="http://schemas.openxmlformats.org/drawingml/2006/chart">
+            <c:chart xmlns:c="http://schemas.openxmlformats.org/drawingml/2006/chart" xmlns:r="http://schemas.openxmlformats.org/officeDocument/2006/relationships" r:id="rId2"/>
+          </a:graphicData>
+        </a:graphic>
+      </p:graphicFrame>
     </p:spTree>
     <p:extLst>
       <p:ext uri="{BB962C8B-B14F-4D97-AF65-F5344CB8AC3E}">
-        <p14:creationId xmlns:p14="http://schemas.microsoft.com/office/powerpoint/2010/main" val="2881293310"/>
+        <p14:creationId xmlns:p14="http://schemas.microsoft.com/office/powerpoint/2010/main" val="944639079"/>
       </p:ext>
     </p:extLst>
   </p:cSld>
@@ -15147,29 +15186,6 @@
           </a:p>
         </p:txBody>
       </p:sp>
-      <p:sp>
-        <p:nvSpPr>
-          <p:cNvPr id="3" name="Content Placeholder 2"/>
-          <p:cNvSpPr>
-            <a:spLocks noGrp="1"/>
-          </p:cNvSpPr>
-          <p:nvPr>
-            <p:ph idx="1"/>
-          </p:nvPr>
-        </p:nvSpPr>
-        <p:spPr/>
-        <p:txBody>
-          <a:bodyPr/>
-          <a:lstStyle/>
-          <a:p>
-            <a:r>
-              <a:rPr lang="sv-SE" dirty="0" smtClean="0"/>
-              <a:t>Resultat av körning</a:t>
-            </a:r>
-            <a:endParaRPr lang="sv-SE" dirty="0"/>
-          </a:p>
-        </p:txBody>
-      </p:sp>
       <p:graphicFrame>
         <p:nvGraphicFramePr>
           <p:cNvPr id="4" name="Chart 3"/>
@@ -15179,14 +15195,14 @@
           <p:nvPr>
             <p:extLst>
               <p:ext uri="{D42A27DB-BD31-4B8C-83A1-F6EECF244321}">
-                <p14:modId xmlns:p14="http://schemas.microsoft.com/office/powerpoint/2010/main" val="3112678074"/>
+                <p14:modId xmlns:p14="http://schemas.microsoft.com/office/powerpoint/2010/main" val="2665314904"/>
               </p:ext>
             </p:extLst>
           </p:nvPr>
         </p:nvGraphicFramePr>
         <p:xfrm>
-          <a:off x="1231762" y="2173357"/>
-          <a:ext cx="6361734" cy="4136437"/>
+          <a:off x="1289603" y="1908313"/>
+          <a:ext cx="6244258" cy="3746555"/>
         </p:xfrm>
         <a:graphic>
           <a:graphicData uri="http://schemas.openxmlformats.org/drawingml/2006/chart">
@@ -15197,7 +15213,7 @@
     </p:spTree>
     <p:extLst>
       <p:ext uri="{BB962C8B-B14F-4D97-AF65-F5344CB8AC3E}">
-        <p14:creationId xmlns:p14="http://schemas.microsoft.com/office/powerpoint/2010/main" val="944639079"/>
+        <p14:creationId xmlns:p14="http://schemas.microsoft.com/office/powerpoint/2010/main" val="2876779983"/>
       </p:ext>
     </p:extLst>
   </p:cSld>
@@ -15247,90 +15263,6 @@
           <a:lstStyle/>
           <a:p>
             <a:r>
-              <a:rPr lang="sv-SE" dirty="0" err="1" smtClean="0"/>
-              <a:t>Maintenance</a:t>
-            </a:r>
-            <a:endParaRPr lang="sv-SE" dirty="0"/>
-          </a:p>
-        </p:txBody>
-      </p:sp>
-      <p:graphicFrame>
-        <p:nvGraphicFramePr>
-          <p:cNvPr id="4" name="Chart 3"/>
-          <p:cNvGraphicFramePr>
-            <a:graphicFrameLocks/>
-          </p:cNvGraphicFramePr>
-          <p:nvPr>
-            <p:extLst>
-              <p:ext uri="{D42A27DB-BD31-4B8C-83A1-F6EECF244321}">
-                <p14:modId xmlns:p14="http://schemas.microsoft.com/office/powerpoint/2010/main" val="2665314904"/>
-              </p:ext>
-            </p:extLst>
-          </p:nvPr>
-        </p:nvGraphicFramePr>
-        <p:xfrm>
-          <a:off x="1289603" y="1908313"/>
-          <a:ext cx="6244258" cy="3746555"/>
-        </p:xfrm>
-        <a:graphic>
-          <a:graphicData uri="http://schemas.openxmlformats.org/drawingml/2006/chart">
-            <c:chart xmlns:c="http://schemas.openxmlformats.org/drawingml/2006/chart" xmlns:r="http://schemas.openxmlformats.org/officeDocument/2006/relationships" r:id="rId2"/>
-          </a:graphicData>
-        </a:graphic>
-      </p:graphicFrame>
-    </p:spTree>
-    <p:extLst>
-      <p:ext uri="{BB962C8B-B14F-4D97-AF65-F5344CB8AC3E}">
-        <p14:creationId xmlns:p14="http://schemas.microsoft.com/office/powerpoint/2010/main" val="2876779983"/>
-      </p:ext>
-    </p:extLst>
-  </p:cSld>
-  <p:clrMapOvr>
-    <a:masterClrMapping/>
-  </p:clrMapOvr>
-  <p:timing>
-    <p:tnLst>
-      <p:par>
-        <p:cTn id="1" dur="indefinite" restart="never" nodeType="tmRoot"/>
-      </p:par>
-    </p:tnLst>
-  </p:timing>
-</p:sld>
-</file>
-
-<file path=ppt/slides/slide24.xml><?xml version="1.0" encoding="utf-8"?>
-<p:sld xmlns:a="http://schemas.openxmlformats.org/drawingml/2006/main" xmlns:r="http://schemas.openxmlformats.org/officeDocument/2006/relationships" xmlns:p="http://schemas.openxmlformats.org/presentationml/2006/main">
-  <p:cSld>
-    <p:spTree>
-      <p:nvGrpSpPr>
-        <p:cNvPr id="1" name=""/>
-        <p:cNvGrpSpPr/>
-        <p:nvPr/>
-      </p:nvGrpSpPr>
-      <p:grpSpPr>
-        <a:xfrm>
-          <a:off x="0" y="0"/>
-          <a:ext cx="0" cy="0"/>
-          <a:chOff x="0" y="0"/>
-          <a:chExt cx="0" cy="0"/>
-        </a:xfrm>
-      </p:grpSpPr>
-      <p:sp>
-        <p:nvSpPr>
-          <p:cNvPr id="2" name="Title 1"/>
-          <p:cNvSpPr>
-            <a:spLocks noGrp="1"/>
-          </p:cNvSpPr>
-          <p:nvPr>
-            <p:ph type="title"/>
-          </p:nvPr>
-        </p:nvSpPr>
-        <p:spPr/>
-        <p:txBody>
-          <a:bodyPr/>
-          <a:lstStyle/>
-          <a:p>
-            <a:r>
               <a:rPr lang="sv-SE" dirty="0" smtClean="0"/>
               <a:t>Rekommendation</a:t>
             </a:r>
@@ -15389,7 +15321,6 @@
               <a:rPr lang="sv-SE" dirty="0" smtClean="0"/>
               <a:t>Fortsatt arbete</a:t>
             </a:r>
-            <a:endParaRPr lang="sv-SE" dirty="0" smtClean="0"/>
           </a:p>
         </p:txBody>
       </p:sp>
@@ -15406,7 +15337,7 @@
 </p:sld>
 </file>
 
-<file path=ppt/slides/slide25.xml><?xml version="1.0" encoding="utf-8"?>
+<file path=ppt/slides/slide24.xml><?xml version="1.0" encoding="utf-8"?>
 <p:sld xmlns:a="http://schemas.openxmlformats.org/drawingml/2006/main" xmlns:r="http://schemas.openxmlformats.org/officeDocument/2006/relationships" xmlns:p="http://schemas.openxmlformats.org/presentationml/2006/main">
   <p:cSld>
     <p:spTree>

--- a/Presentation/PresentationLTH.pptx
+++ b/Presentation/PresentationLTH.pptx
@@ -439,11 +439,11 @@
         </c:dLbls>
         <c:gapWidth val="219"/>
         <c:overlap val="-27"/>
-        <c:axId val="740200608"/>
-        <c:axId val="740207680"/>
+        <c:axId val="790082128"/>
+        <c:axId val="790078864"/>
       </c:barChart>
       <c:catAx>
-        <c:axId val="740200608"/>
+        <c:axId val="790082128"/>
         <c:scaling>
           <c:orientation val="minMax"/>
         </c:scaling>
@@ -486,7 +486,7 @@
             <a:endParaRPr lang="sv-SE"/>
           </a:p>
         </c:txPr>
-        <c:crossAx val="740207680"/>
+        <c:crossAx val="790078864"/>
         <c:crosses val="autoZero"/>
         <c:auto val="1"/>
         <c:lblAlgn val="ctr"/>
@@ -494,7 +494,7 @@
         <c:noMultiLvlLbl val="0"/>
       </c:catAx>
       <c:valAx>
-        <c:axId val="740207680"/>
+        <c:axId val="790078864"/>
         <c:scaling>
           <c:orientation val="minMax"/>
         </c:scaling>
@@ -545,7 +545,7 @@
             <a:endParaRPr lang="sv-SE"/>
           </a:p>
         </c:txPr>
-        <c:crossAx val="740200608"/>
+        <c:crossAx val="790082128"/>
         <c:crosses val="autoZero"/>
         <c:crossBetween val="between"/>
       </c:valAx>
@@ -1074,11 +1074,11 @@
         </c:dLbls>
         <c:gapWidth val="219"/>
         <c:overlap val="-27"/>
-        <c:axId val="1005001760"/>
-        <c:axId val="1005015360"/>
+        <c:axId val="790080496"/>
+        <c:axId val="790066896"/>
       </c:barChart>
       <c:catAx>
-        <c:axId val="1005001760"/>
+        <c:axId val="790080496"/>
         <c:scaling>
           <c:orientation val="minMax"/>
         </c:scaling>
@@ -1121,7 +1121,7 @@
             <a:endParaRPr lang="sv-SE"/>
           </a:p>
         </c:txPr>
-        <c:crossAx val="1005015360"/>
+        <c:crossAx val="790066896"/>
         <c:crosses val="autoZero"/>
         <c:auto val="1"/>
         <c:lblAlgn val="ctr"/>
@@ -1129,7 +1129,7 @@
         <c:noMultiLvlLbl val="0"/>
       </c:catAx>
       <c:valAx>
-        <c:axId val="1005015360"/>
+        <c:axId val="790066896"/>
         <c:scaling>
           <c:orientation val="minMax"/>
         </c:scaling>
@@ -1236,7 +1236,7 @@
             <a:endParaRPr lang="sv-SE"/>
           </a:p>
         </c:txPr>
-        <c:crossAx val="1005001760"/>
+        <c:crossAx val="790080496"/>
         <c:crosses val="autoZero"/>
         <c:crossBetween val="between"/>
       </c:valAx>
@@ -1819,11 +1819,11 @@
         </c:dLbls>
         <c:gapWidth val="444"/>
         <c:overlap val="-90"/>
-        <c:axId val="1005012640"/>
-        <c:axId val="1005011008"/>
+        <c:axId val="795921744"/>
+        <c:axId val="795924464"/>
       </c:barChart>
       <c:catAx>
-        <c:axId val="1005012640"/>
+        <c:axId val="795921744"/>
         <c:scaling>
           <c:orientation val="minMax"/>
         </c:scaling>
@@ -1880,7 +1880,7 @@
             <a:endParaRPr lang="sv-SE"/>
           </a:p>
         </c:txPr>
-        <c:crossAx val="1005011008"/>
+        <c:crossAx val="795924464"/>
         <c:crosses val="autoZero"/>
         <c:auto val="1"/>
         <c:lblAlgn val="ctr"/>
@@ -1888,7 +1888,7 @@
         <c:noMultiLvlLbl val="0"/>
       </c:catAx>
       <c:valAx>
-        <c:axId val="1005011008"/>
+        <c:axId val="795924464"/>
         <c:scaling>
           <c:orientation val="minMax"/>
         </c:scaling>
@@ -1898,7 +1898,7 @@
         <c:majorTickMark val="none"/>
         <c:minorTickMark val="none"/>
         <c:tickLblPos val="nextTo"/>
-        <c:crossAx val="1005012640"/>
+        <c:crossAx val="795921744"/>
         <c:crosses val="autoZero"/>
         <c:crossBetween val="between"/>
       </c:valAx>
@@ -2222,11 +2222,11 @@
         </c:dLbls>
         <c:gapWidth val="219"/>
         <c:overlap val="-27"/>
-        <c:axId val="1005014272"/>
-        <c:axId val="1005004480"/>
+        <c:axId val="794336672"/>
+        <c:axId val="794331232"/>
       </c:barChart>
       <c:catAx>
-        <c:axId val="1005014272"/>
+        <c:axId val="794336672"/>
         <c:scaling>
           <c:orientation val="minMax"/>
         </c:scaling>
@@ -2269,7 +2269,7 @@
             <a:endParaRPr lang="sv-SE"/>
           </a:p>
         </c:txPr>
-        <c:crossAx val="1005004480"/>
+        <c:crossAx val="794331232"/>
         <c:crosses val="autoZero"/>
         <c:auto val="1"/>
         <c:lblAlgn val="ctr"/>
@@ -2277,7 +2277,7 @@
         <c:noMultiLvlLbl val="0"/>
       </c:catAx>
       <c:valAx>
-        <c:axId val="1005004480"/>
+        <c:axId val="794331232"/>
         <c:scaling>
           <c:orientation val="minMax"/>
         </c:scaling>
@@ -2328,7 +2328,7 @@
             <a:endParaRPr lang="sv-SE"/>
           </a:p>
         </c:txPr>
-        <c:crossAx val="1005014272"/>
+        <c:crossAx val="794336672"/>
         <c:crosses val="autoZero"/>
         <c:crossBetween val="between"/>
       </c:valAx>
@@ -5694,8 +5694,8 @@
       </dsp:nvSpPr>
       <dsp:spPr>
         <a:xfrm>
-          <a:off x="0" y="51119"/>
-          <a:ext cx="7510992" cy="772200"/>
+          <a:off x="0" y="2857"/>
+          <a:ext cx="7510992" cy="791505"/>
         </a:xfrm>
         <a:prstGeom prst="roundRect">
           <a:avLst/>
@@ -5760,8 +5760,8 @@
         </a:p>
       </dsp:txBody>
       <dsp:txXfrm>
-        <a:off x="37696" y="88815"/>
-        <a:ext cx="7435600" cy="696808"/>
+        <a:off x="38638" y="41495"/>
+        <a:ext cx="7433716" cy="714229"/>
       </dsp:txXfrm>
     </dsp:sp>
     <dsp:sp modelId="{633254C2-92B3-9A40-BE01-4A07BA6FD729}">
@@ -5771,8 +5771,8 @@
       </dsp:nvSpPr>
       <dsp:spPr>
         <a:xfrm>
-          <a:off x="0" y="918360"/>
-          <a:ext cx="7510992" cy="772200"/>
+          <a:off x="0" y="889402"/>
+          <a:ext cx="7510992" cy="791505"/>
         </a:xfrm>
         <a:prstGeom prst="roundRect">
           <a:avLst/>
@@ -5837,8 +5837,8 @@
         </a:p>
       </dsp:txBody>
       <dsp:txXfrm>
-        <a:off x="37696" y="956056"/>
-        <a:ext cx="7435600" cy="696808"/>
+        <a:off x="38638" y="928040"/>
+        <a:ext cx="7433716" cy="714229"/>
       </dsp:txXfrm>
     </dsp:sp>
     <dsp:sp modelId="{0C703321-1228-8B4C-9D1F-354E3CECCA1D}">
@@ -5848,8 +5848,8 @@
       </dsp:nvSpPr>
       <dsp:spPr>
         <a:xfrm>
-          <a:off x="0" y="1785600"/>
-          <a:ext cx="7510992" cy="772200"/>
+          <a:off x="0" y="1775947"/>
+          <a:ext cx="7510992" cy="791505"/>
         </a:xfrm>
         <a:prstGeom prst="roundRect">
           <a:avLst/>
@@ -5913,8 +5913,8 @@
         </a:p>
       </dsp:txBody>
       <dsp:txXfrm>
-        <a:off x="37696" y="1823296"/>
-        <a:ext cx="7435600" cy="696808"/>
+        <a:off x="38638" y="1814585"/>
+        <a:ext cx="7433716" cy="714229"/>
       </dsp:txXfrm>
     </dsp:sp>
     <dsp:sp modelId="{642E1836-6173-6047-A06B-782D4D50664F}">
@@ -5924,8 +5924,8 @@
       </dsp:nvSpPr>
       <dsp:spPr>
         <a:xfrm>
-          <a:off x="0" y="2652840"/>
-          <a:ext cx="7510992" cy="772200"/>
+          <a:off x="0" y="2662492"/>
+          <a:ext cx="7510992" cy="791505"/>
         </a:xfrm>
         <a:prstGeom prst="roundRect">
           <a:avLst/>
@@ -5989,8 +5989,8 @@
         </a:p>
       </dsp:txBody>
       <dsp:txXfrm>
-        <a:off x="37696" y="2690536"/>
-        <a:ext cx="7435600" cy="696808"/>
+        <a:off x="38638" y="2701130"/>
+        <a:ext cx="7433716" cy="714229"/>
       </dsp:txXfrm>
     </dsp:sp>
     <dsp:sp modelId="{EBC1C9F8-4796-5D44-B4AB-EF8C241C9E1C}">
@@ -6000,8 +6000,8 @@
       </dsp:nvSpPr>
       <dsp:spPr>
         <a:xfrm>
-          <a:off x="0" y="3520080"/>
-          <a:ext cx="7510992" cy="772200"/>
+          <a:off x="0" y="3549037"/>
+          <a:ext cx="7510992" cy="791505"/>
         </a:xfrm>
         <a:prstGeom prst="roundRect">
           <a:avLst/>
@@ -6065,8 +6065,8 @@
         </a:p>
       </dsp:txBody>
       <dsp:txXfrm>
-        <a:off x="37696" y="3557776"/>
-        <a:ext cx="7435600" cy="696808"/>
+        <a:off x="38638" y="3587675"/>
+        <a:ext cx="7433716" cy="714229"/>
       </dsp:txXfrm>
     </dsp:sp>
   </dsp:spTree>
@@ -12655,7 +12655,7 @@
         </p:spPr>
         <p:txBody>
           <a:bodyPr>
-            <a:normAutofit fontScale="85000" lnSpcReduction="10000"/>
+            <a:normAutofit fontScale="92500"/>
           </a:bodyPr>
           <a:lstStyle/>
           <a:p>
@@ -13183,8 +13183,12 @@
           </a:p>
           <a:p>
             <a:r>
+              <a:rPr lang="sv-SE" smtClean="0"/>
+              <a:t>59 </a:t>
+            </a:r>
+            <a:r>
               <a:rPr lang="sv-SE" dirty="0" smtClean="0"/>
-              <a:t>50 stycken </a:t>
+              <a:t>stycken </a:t>
             </a:r>
             <a:r>
               <a:rPr lang="sv-SE" dirty="0" err="1" smtClean="0"/>
@@ -13515,12 +13519,12 @@
           <a:graphicData uri="http://schemas.openxmlformats.org/presentationml/2006/ole">
             <mc:AlternateContent xmlns:mc="http://schemas.openxmlformats.org/markup-compatibility/2006">
               <mc:Choice xmlns:v="urn:schemas-microsoft-com:vml" Requires="v">
-                <p:oleObj spid="_x0000_s1041" name="Worksheet" r:id="rId4" imgW="2266740" imgH="3438731" progId="Excel.Sheet.12">
+                <p:oleObj spid="_x0000_s1042" name="Worksheet" r:id="rId5" imgW="2266740" imgH="3438731" progId="Excel.Sheet.12">
                   <p:embed/>
                 </p:oleObj>
               </mc:Choice>
               <mc:Fallback>
-                <p:oleObj name="Worksheet" r:id="rId4" imgW="2266740" imgH="3438731" progId="Excel.Sheet.12">
+                <p:oleObj name="Worksheet" r:id="rId5" imgW="2266740" imgH="3438731" progId="Excel.Sheet.12">
                   <p:embed/>
                   <p:pic>
                     <p:nvPicPr>
@@ -13529,7 +13533,7 @@
                       <p:nvPr/>
                     </p:nvPicPr>
                     <p:blipFill>
-                      <a:blip r:embed="rId5"/>
+                      <a:blip r:embed="rId6"/>
                       <a:stretch>
                         <a:fillRect/>
                       </a:stretch>
@@ -13576,7 +13580,7 @@
         </p:xfrm>
         <a:graphic>
           <a:graphicData uri="http://schemas.openxmlformats.org/drawingml/2006/chart">
-            <c:chart xmlns:c="http://schemas.openxmlformats.org/drawingml/2006/chart" xmlns:r="http://schemas.openxmlformats.org/officeDocument/2006/relationships" r:id="rId6"/>
+            <c:chart xmlns:c="http://schemas.openxmlformats.org/drawingml/2006/chart" xmlns:r="http://schemas.openxmlformats.org/officeDocument/2006/relationships" r:id="rId7"/>
           </a:graphicData>
         </a:graphic>
       </p:graphicFrame>
@@ -13674,12 +13678,12 @@
           <a:graphicData uri="http://schemas.openxmlformats.org/presentationml/2006/ole">
             <mc:AlternateContent xmlns:mc="http://schemas.openxmlformats.org/markup-compatibility/2006">
               <mc:Choice xmlns:v="urn:schemas-microsoft-com:vml" Requires="v">
-                <p:oleObj spid="_x0000_s2064" name="Worksheet" r:id="rId4" imgW="4838859" imgH="1533319" progId="Excel.Sheet.12">
+                <p:oleObj spid="_x0000_s2065" name="Worksheet" r:id="rId5" imgW="4838859" imgH="1533319" progId="Excel.Sheet.12">
                   <p:embed/>
                 </p:oleObj>
               </mc:Choice>
               <mc:Fallback>
-                <p:oleObj name="Worksheet" r:id="rId4" imgW="4838859" imgH="1533319" progId="Excel.Sheet.12">
+                <p:oleObj name="Worksheet" r:id="rId5" imgW="4838859" imgH="1533319" progId="Excel.Sheet.12">
                   <p:embed/>
                   <p:pic>
                     <p:nvPicPr>
@@ -13688,7 +13692,7 @@
                       <p:nvPr/>
                     </p:nvPicPr>
                     <p:blipFill>
-                      <a:blip r:embed="rId5"/>
+                      <a:blip r:embed="rId6"/>
                       <a:stretch>
                         <a:fillRect/>
                       </a:stretch>
@@ -13732,7 +13736,7 @@
         </p:xfrm>
         <a:graphic>
           <a:graphicData uri="http://schemas.openxmlformats.org/drawingml/2006/chart">
-            <c:chart xmlns:c="http://schemas.openxmlformats.org/drawingml/2006/chart" xmlns:r="http://schemas.openxmlformats.org/officeDocument/2006/relationships" r:id="rId6"/>
+            <c:chart xmlns:c="http://schemas.openxmlformats.org/drawingml/2006/chart" xmlns:r="http://schemas.openxmlformats.org/officeDocument/2006/relationships" r:id="rId7"/>
           </a:graphicData>
         </a:graphic>
       </p:graphicFrame>

--- a/Presentation/PresentationLTH.pptx
+++ b/Presentation/PresentationLTH.pptx
@@ -439,11 +439,11 @@
         </c:dLbls>
         <c:gapWidth val="219"/>
         <c:overlap val="-27"/>
-        <c:axId val="790082128"/>
-        <c:axId val="790078864"/>
+        <c:axId val="-600326640"/>
+        <c:axId val="-600333712"/>
       </c:barChart>
       <c:catAx>
-        <c:axId val="790082128"/>
+        <c:axId val="-600326640"/>
         <c:scaling>
           <c:orientation val="minMax"/>
         </c:scaling>
@@ -486,7 +486,7 @@
             <a:endParaRPr lang="sv-SE"/>
           </a:p>
         </c:txPr>
-        <c:crossAx val="790078864"/>
+        <c:crossAx val="-600333712"/>
         <c:crosses val="autoZero"/>
         <c:auto val="1"/>
         <c:lblAlgn val="ctr"/>
@@ -494,7 +494,7 @@
         <c:noMultiLvlLbl val="0"/>
       </c:catAx>
       <c:valAx>
-        <c:axId val="790078864"/>
+        <c:axId val="-600333712"/>
         <c:scaling>
           <c:orientation val="minMax"/>
         </c:scaling>
@@ -545,7 +545,7 @@
             <a:endParaRPr lang="sv-SE"/>
           </a:p>
         </c:txPr>
-        <c:crossAx val="790082128"/>
+        <c:crossAx val="-600326640"/>
         <c:crosses val="autoZero"/>
         <c:crossBetween val="between"/>
       </c:valAx>
@@ -1074,11 +1074,11 @@
         </c:dLbls>
         <c:gapWidth val="219"/>
         <c:overlap val="-27"/>
-        <c:axId val="790080496"/>
-        <c:axId val="790066896"/>
+        <c:axId val="-600360448"/>
+        <c:axId val="-600368064"/>
       </c:barChart>
       <c:catAx>
-        <c:axId val="790080496"/>
+        <c:axId val="-600360448"/>
         <c:scaling>
           <c:orientation val="minMax"/>
         </c:scaling>
@@ -1121,7 +1121,7 @@
             <a:endParaRPr lang="sv-SE"/>
           </a:p>
         </c:txPr>
-        <c:crossAx val="790066896"/>
+        <c:crossAx val="-600368064"/>
         <c:crosses val="autoZero"/>
         <c:auto val="1"/>
         <c:lblAlgn val="ctr"/>
@@ -1129,7 +1129,7 @@
         <c:noMultiLvlLbl val="0"/>
       </c:catAx>
       <c:valAx>
-        <c:axId val="790066896"/>
+        <c:axId val="-600368064"/>
         <c:scaling>
           <c:orientation val="minMax"/>
         </c:scaling>
@@ -1175,7 +1175,6 @@
               </a:p>
             </c:rich>
           </c:tx>
-          <c:layout/>
           <c:overlay val="0"/>
           <c:spPr>
             <a:noFill/>
@@ -1236,7 +1235,7 @@
             <a:endParaRPr lang="sv-SE"/>
           </a:p>
         </c:txPr>
-        <c:crossAx val="790080496"/>
+        <c:crossAx val="-600360448"/>
         <c:crosses val="autoZero"/>
         <c:crossBetween val="between"/>
       </c:valAx>
@@ -1252,7 +1251,6 @@
     </c:plotArea>
     <c:legend>
       <c:legendPos val="b"/>
-      <c:layout/>
       <c:overlay val="0"/>
       <c:spPr>
         <a:noFill/>
@@ -1819,11 +1817,11 @@
         </c:dLbls>
         <c:gapWidth val="444"/>
         <c:overlap val="-90"/>
-        <c:axId val="795921744"/>
-        <c:axId val="795924464"/>
+        <c:axId val="-594204704"/>
+        <c:axId val="-594201984"/>
       </c:barChart>
       <c:catAx>
-        <c:axId val="795921744"/>
+        <c:axId val="-594204704"/>
         <c:scaling>
           <c:orientation val="minMax"/>
         </c:scaling>
@@ -1880,7 +1878,7 @@
             <a:endParaRPr lang="sv-SE"/>
           </a:p>
         </c:txPr>
-        <c:crossAx val="795924464"/>
+        <c:crossAx val="-594201984"/>
         <c:crosses val="autoZero"/>
         <c:auto val="1"/>
         <c:lblAlgn val="ctr"/>
@@ -1888,7 +1886,7 @@
         <c:noMultiLvlLbl val="0"/>
       </c:catAx>
       <c:valAx>
-        <c:axId val="795924464"/>
+        <c:axId val="-594201984"/>
         <c:scaling>
           <c:orientation val="minMax"/>
         </c:scaling>
@@ -1898,7 +1896,7 @@
         <c:majorTickMark val="none"/>
         <c:minorTickMark val="none"/>
         <c:tickLblPos val="nextTo"/>
-        <c:crossAx val="795921744"/>
+        <c:crossAx val="-594204704"/>
         <c:crosses val="autoZero"/>
         <c:crossBetween val="between"/>
       </c:valAx>
@@ -2222,11 +2220,11 @@
         </c:dLbls>
         <c:gapWidth val="219"/>
         <c:overlap val="-27"/>
-        <c:axId val="794336672"/>
-        <c:axId val="794331232"/>
+        <c:axId val="-530330112"/>
+        <c:axId val="-530327392"/>
       </c:barChart>
       <c:catAx>
-        <c:axId val="794336672"/>
+        <c:axId val="-530330112"/>
         <c:scaling>
           <c:orientation val="minMax"/>
         </c:scaling>
@@ -2269,7 +2267,7 @@
             <a:endParaRPr lang="sv-SE"/>
           </a:p>
         </c:txPr>
-        <c:crossAx val="794331232"/>
+        <c:crossAx val="-530327392"/>
         <c:crosses val="autoZero"/>
         <c:auto val="1"/>
         <c:lblAlgn val="ctr"/>
@@ -2277,7 +2275,7 @@
         <c:noMultiLvlLbl val="0"/>
       </c:catAx>
       <c:valAx>
-        <c:axId val="794331232"/>
+        <c:axId val="-530327392"/>
         <c:scaling>
           <c:orientation val="minMax"/>
         </c:scaling>
@@ -2328,7 +2326,7 @@
             <a:endParaRPr lang="sv-SE"/>
           </a:p>
         </c:txPr>
-        <c:crossAx val="794336672"/>
+        <c:crossAx val="-530330112"/>
         <c:crosses val="autoZero"/>
         <c:crossBetween val="between"/>
       </c:valAx>
@@ -5434,9 +5432,10 @@
         <a:lstStyle/>
         <a:p>
           <a:r>
-            <a:rPr lang="sv-SE" dirty="0" smtClean="0"/>
-            <a:t>Resultat &amp; Rekommendation</a:t>
+            <a:rPr lang="sv-SE" smtClean="0"/>
+            <a:t>Resultat</a:t>
           </a:r>
+          <a:endParaRPr lang="sv-SE" dirty="0" smtClean="0"/>
         </a:p>
       </dgm:t>
     </dgm:pt>
@@ -5471,8 +5470,9 @@
         <a:p>
           <a:r>
             <a:rPr lang="sv-SE" dirty="0" smtClean="0"/>
-            <a:t>Sammanfattning &amp; Diskussion</a:t>
+            <a:t>Rekommendation</a:t>
           </a:r>
+          <a:endParaRPr lang="sv-SE" dirty="0" smtClean="0"/>
         </a:p>
       </dgm:t>
     </dgm:pt>
@@ -5983,9 +5983,10 @@
             </a:spcAft>
           </a:pPr>
           <a:r>
-            <a:rPr lang="sv-SE" sz="3300" kern="1200" dirty="0" smtClean="0"/>
-            <a:t>Resultat &amp; Rekommendation</a:t>
+            <a:rPr lang="sv-SE" sz="3300" kern="1200" smtClean="0"/>
+            <a:t>Resultat</a:t>
           </a:r>
+          <a:endParaRPr lang="sv-SE" sz="3300" kern="1200" dirty="0" smtClean="0"/>
         </a:p>
       </dsp:txBody>
       <dsp:txXfrm>
@@ -6060,8 +6061,9 @@
           </a:pPr>
           <a:r>
             <a:rPr lang="sv-SE" sz="3300" kern="1200" dirty="0" smtClean="0"/>
-            <a:t>Sammanfattning &amp; Diskussion</a:t>
+            <a:t>Rekommendation</a:t>
           </a:r>
+          <a:endParaRPr lang="sv-SE" sz="3300" kern="1200" dirty="0" smtClean="0"/>
         </a:p>
       </dsp:txBody>
       <dsp:txXfrm>
@@ -13519,7 +13521,7 @@
           <a:graphicData uri="http://schemas.openxmlformats.org/presentationml/2006/ole">
             <mc:AlternateContent xmlns:mc="http://schemas.openxmlformats.org/markup-compatibility/2006">
               <mc:Choice xmlns:v="urn:schemas-microsoft-com:vml" Requires="v">
-                <p:oleObj spid="_x0000_s1042" name="Worksheet" r:id="rId5" imgW="2266740" imgH="3438731" progId="Excel.Sheet.12">
+                <p:oleObj spid="_x0000_s1043" name="Worksheet" r:id="rId5" imgW="2266740" imgH="3438731" progId="Excel.Sheet.12">
                   <p:embed/>
                 </p:oleObj>
               </mc:Choice>
@@ -13678,7 +13680,7 @@
           <a:graphicData uri="http://schemas.openxmlformats.org/presentationml/2006/ole">
             <mc:AlternateContent xmlns:mc="http://schemas.openxmlformats.org/markup-compatibility/2006">
               <mc:Choice xmlns:v="urn:schemas-microsoft-com:vml" Requires="v">
-                <p:oleObj spid="_x0000_s2065" name="Worksheet" r:id="rId5" imgW="4838859" imgH="1533319" progId="Excel.Sheet.12">
+                <p:oleObj spid="_x0000_s2066" name="Worksheet" r:id="rId5" imgW="4838859" imgH="1533319" progId="Excel.Sheet.12">
                   <p:embed/>
                 </p:oleObj>
               </mc:Choice>
@@ -14845,7 +14847,7 @@
             <p:ph idx="1"/>
             <p:extLst>
               <p:ext uri="{D42A27DB-BD31-4B8C-83A1-F6EECF244321}">
-                <p14:modId xmlns:p14="http://schemas.microsoft.com/office/powerpoint/2010/main" val="1108252090"/>
+                <p14:modId xmlns:p14="http://schemas.microsoft.com/office/powerpoint/2010/main" val="2950466754"/>
               </p:ext>
             </p:extLst>
           </p:nvPr>
